--- a/company space/实习报告/实习报告_朱赫 [.pptx
+++ b/company space/实习报告/实习报告_朱赫 [.pptx
@@ -453,7 +453,7 @@
             <a:fld id="{73B26A0F-F4D6-9B4F-A87B-D8948CDE3BB4}" type="datetimeFigureOut">
               <a:rPr lang="en-US" smtClean="0"/>
               <a:pPr/>
-              <a:t>6/4/2023</a:t>
+              <a:t>6/5/2023</a:t>
             </a:fld>
             <a:endParaRPr lang="en-US" dirty="0"/>
           </a:p>
@@ -3701,7 +3701,7 @@
                   <a:spcPct val="50000"/>
                 </a:spcBef>
               </a:pPr>
-              <a:t>June 4, 2023</a:t>
+              <a:t>June 5, 2023</a:t>
             </a:fld>
             <a:endParaRPr lang="en-US" sz="1100" b="0" dirty="0">
               <a:solidFill>
@@ -5132,7 +5132,7 @@
                   <a:spcPct val="50000"/>
                 </a:spcBef>
               </a:pPr>
-              <a:t>June 4, 2023</a:t>
+              <a:t>June 5, 2023</a:t>
             </a:fld>
             <a:endParaRPr lang="en-US" sz="1100" b="0" dirty="0">
               <a:solidFill>
@@ -5411,7 +5411,7 @@
                   <a:spcPts val="0"/>
                 </a:spcBef>
               </a:pPr>
-              <a:t>June 4, 2023</a:t>
+              <a:t>June 5, 2023</a:t>
             </a:fld>
             <a:endParaRPr lang="en-US" sz="1100" b="0" dirty="0">
               <a:solidFill>
@@ -7083,7 +7083,7 @@
                   <a:spcPct val="50000"/>
                 </a:spcBef>
               </a:pPr>
-              <a:t>June 4, 2023</a:t>
+              <a:t>June 5, 2023</a:t>
             </a:fld>
             <a:endParaRPr lang="en-US" sz="1100" b="0" dirty="0">
               <a:solidFill>
@@ -7374,7 +7374,7 @@
                   <a:spcPts val="0"/>
                 </a:spcBef>
               </a:pPr>
-              <a:t>June 4, 2023</a:t>
+              <a:t>June 5, 2023</a:t>
             </a:fld>
             <a:endParaRPr lang="en-US" sz="1100" b="0" dirty="0">
               <a:solidFill>
@@ -8592,7 +8592,7 @@
                   <a:spcPct val="50000"/>
                 </a:spcBef>
               </a:pPr>
-              <a:t>June 4, 2023</a:t>
+              <a:t>June 5, 2023</a:t>
             </a:fld>
             <a:endParaRPr lang="en-US" sz="1100" b="0" dirty="0">
               <a:solidFill>
@@ -8871,7 +8871,7 @@
                   <a:spcPts val="0"/>
                 </a:spcBef>
               </a:pPr>
-              <a:t>June 4, 2023</a:t>
+              <a:t>June 5, 2023</a:t>
             </a:fld>
             <a:endParaRPr lang="en-US" sz="1100" b="0" dirty="0">
               <a:solidFill>
@@ -10304,7 +10304,7 @@
                   <a:spcPct val="50000"/>
                 </a:spcBef>
               </a:pPr>
-              <a:t>June 4, 2023</a:t>
+              <a:t>June 5, 2023</a:t>
             </a:fld>
             <a:endParaRPr lang="en-US" sz="1100" b="0" dirty="0">
               <a:solidFill>
@@ -17547,7 +17547,7 @@
                   <a:spcPts val="0"/>
                 </a:spcBef>
               </a:pPr>
-              <a:t>June 4, 2023</a:t>
+              <a:t>June 5, 2023</a:t>
             </a:fld>
             <a:endParaRPr lang="en-US" sz="1100" b="0" dirty="0">
               <a:solidFill>
@@ -22702,7 +22702,7 @@
         <p:spPr>
           <a:xfrm>
             <a:off x="1111103" y="2632803"/>
-            <a:ext cx="11546958" cy="1467048"/>
+            <a:ext cx="11546958" cy="3724076"/>
           </a:xfrm>
           <a:prstGeom prst="rect">
             <a:avLst/>
@@ -22740,12 +22740,195 @@
               <a:buChar char="•"/>
             </a:pPr>
             <a:r>
+              <a:rPr lang="zh-CN" altLang="en-US" sz="2000" b="1" dirty="0">
+                <a:latin typeface="Arial" panose="020B0604020202020204" pitchFamily="34" charset="0"/>
+                <a:cs typeface="Arial" panose="020B0604020202020204" pitchFamily="34" charset="0"/>
+              </a:rPr>
+              <a:t>需求：</a:t>
+            </a:r>
+            <a:r>
+              <a:rPr lang="en-US" altLang="zh-CN" sz="2000" dirty="0">
+                <a:latin typeface="Arial" panose="020B0604020202020204" pitchFamily="34" charset="0"/>
+                <a:cs typeface="Arial" panose="020B0604020202020204" pitchFamily="34" charset="0"/>
+              </a:rPr>
+              <a:t>DB</a:t>
+            </a:r>
+            <a:r>
               <a:rPr lang="zh-CN" altLang="en-US" sz="2000" dirty="0">
                 <a:latin typeface="Arial" panose="020B0604020202020204" pitchFamily="34" charset="0"/>
                 <a:cs typeface="Arial" panose="020B0604020202020204" pitchFamily="34" charset="0"/>
               </a:rPr>
-              <a:t>根据项目改修内容进行测试</a:t>
-            </a:r>
+              <a:t>文字列出现问题时，程序会崩，代码修改完成后需要测试</a:t>
+            </a:r>
+            <a:endParaRPr lang="en-US" altLang="ja-JP" sz="2000" dirty="0">
+              <a:latin typeface="Arial" panose="020B0604020202020204" pitchFamily="34" charset="0"/>
+              <a:cs typeface="Arial" panose="020B0604020202020204" pitchFamily="34" charset="0"/>
+            </a:endParaRPr>
+          </a:p>
+          <a:p>
+            <a:pPr marL="342900" indent="-342900">
+              <a:lnSpc>
+                <a:spcPct val="150000"/>
+              </a:lnSpc>
+              <a:spcAft>
+                <a:spcPts val="800"/>
+              </a:spcAft>
+              <a:buFont typeface="Arial" panose="020B0604020202020204" pitchFamily="34" charset="0"/>
+              <a:buChar char="•"/>
+            </a:pPr>
+            <a:r>
+              <a:rPr lang="zh-CN" altLang="en-US" sz="2000" b="1" dirty="0">
+                <a:latin typeface="Arial" panose="020B0604020202020204" pitchFamily="34" charset="0"/>
+                <a:cs typeface="Arial" panose="020B0604020202020204" pitchFamily="34" charset="0"/>
+              </a:rPr>
+              <a:t>任务</a:t>
+            </a:r>
+            <a:r>
+              <a:rPr lang="zh-CN" altLang="en-US" sz="2000" dirty="0">
+                <a:latin typeface="Arial" panose="020B0604020202020204" pitchFamily="34" charset="0"/>
+                <a:cs typeface="Arial" panose="020B0604020202020204" pitchFamily="34" charset="0"/>
+              </a:rPr>
+              <a:t>：找出程序中所有关于</a:t>
+            </a:r>
+            <a:r>
+              <a:rPr lang="en-US" altLang="zh-CN" sz="2000" dirty="0">
+                <a:latin typeface="Arial" panose="020B0604020202020204" pitchFamily="34" charset="0"/>
+                <a:cs typeface="Arial" panose="020B0604020202020204" pitchFamily="34" charset="0"/>
+              </a:rPr>
+              <a:t>DB</a:t>
+            </a:r>
+            <a:r>
+              <a:rPr lang="zh-CN" altLang="en-US" sz="2000" dirty="0">
+                <a:latin typeface="Arial" panose="020B0604020202020204" pitchFamily="34" charset="0"/>
+                <a:cs typeface="Arial" panose="020B0604020202020204" pitchFamily="34" charset="0"/>
+              </a:rPr>
+              <a:t>接续的地方，打断点并写</a:t>
+            </a:r>
+            <a:r>
+              <a:rPr lang="en-US" altLang="zh-CN" sz="2000" dirty="0">
+                <a:latin typeface="Arial" panose="020B0604020202020204" pitchFamily="34" charset="0"/>
+                <a:cs typeface="Arial" panose="020B0604020202020204" pitchFamily="34" charset="0"/>
+              </a:rPr>
+              <a:t>case</a:t>
+            </a:r>
+            <a:r>
+              <a:rPr lang="zh-CN" altLang="en-US" sz="2000" dirty="0">
+                <a:latin typeface="Arial" panose="020B0604020202020204" pitchFamily="34" charset="0"/>
+                <a:cs typeface="Arial" panose="020B0604020202020204" pitchFamily="34" charset="0"/>
+              </a:rPr>
+              <a:t>进行测试</a:t>
+            </a:r>
+            <a:endParaRPr lang="en-US" altLang="ja-JP" sz="2000" dirty="0">
+              <a:latin typeface="Arial" panose="020B0604020202020204" pitchFamily="34" charset="0"/>
+              <a:cs typeface="Arial" panose="020B0604020202020204" pitchFamily="34" charset="0"/>
+            </a:endParaRPr>
+          </a:p>
+          <a:p>
+            <a:pPr marL="342900" indent="-342900">
+              <a:lnSpc>
+                <a:spcPct val="150000"/>
+              </a:lnSpc>
+              <a:spcAft>
+                <a:spcPts val="800"/>
+              </a:spcAft>
+              <a:buFont typeface="Arial" panose="020B0604020202020204" pitchFamily="34" charset="0"/>
+              <a:buChar char="•"/>
+            </a:pPr>
+            <a:r>
+              <a:rPr lang="zh-CN" altLang="en-US" sz="2000" b="1" dirty="0">
+                <a:latin typeface="Arial" panose="020B0604020202020204" pitchFamily="34" charset="0"/>
+                <a:cs typeface="Arial" panose="020B0604020202020204" pitchFamily="34" charset="0"/>
+              </a:rPr>
+              <a:t>行动</a:t>
+            </a:r>
+            <a:r>
+              <a:rPr lang="zh-CN" altLang="en-US" sz="2000" dirty="0">
+                <a:latin typeface="Arial" panose="020B0604020202020204" pitchFamily="34" charset="0"/>
+                <a:cs typeface="Arial" panose="020B0604020202020204" pitchFamily="34" charset="0"/>
+              </a:rPr>
+              <a:t>：修改配置文件，前后对</a:t>
+            </a:r>
+            <a:r>
+              <a:rPr lang="en-US" altLang="zh-CN" sz="2000" dirty="0">
+                <a:latin typeface="Arial" panose="020B0604020202020204" pitchFamily="34" charset="0"/>
+                <a:cs typeface="Arial" panose="020B0604020202020204" pitchFamily="34" charset="0"/>
+              </a:rPr>
+              <a:t>300</a:t>
+            </a:r>
+            <a:r>
+              <a:rPr lang="zh-CN" altLang="en-US" sz="2000" dirty="0">
+                <a:latin typeface="Arial" panose="020B0604020202020204" pitchFamily="34" charset="0"/>
+                <a:cs typeface="Arial" panose="020B0604020202020204" pitchFamily="34" charset="0"/>
+              </a:rPr>
+              <a:t>左右个</a:t>
+            </a:r>
+            <a:r>
+              <a:rPr lang="en-US" altLang="zh-CN" sz="2000" dirty="0">
+                <a:latin typeface="Arial" panose="020B0604020202020204" pitchFamily="34" charset="0"/>
+                <a:cs typeface="Arial" panose="020B0604020202020204" pitchFamily="34" charset="0"/>
+              </a:rPr>
+              <a:t>case</a:t>
+            </a:r>
+            <a:r>
+              <a:rPr lang="zh-CN" altLang="en-US" sz="2000" dirty="0">
+                <a:latin typeface="Arial" panose="020B0604020202020204" pitchFamily="34" charset="0"/>
+                <a:cs typeface="Arial" panose="020B0604020202020204" pitchFamily="34" charset="0"/>
+              </a:rPr>
+              <a:t>进行测试，列出了所有的</a:t>
+            </a:r>
+            <a:r>
+              <a:rPr lang="en-US" altLang="zh-CN" sz="2000" dirty="0" err="1">
+                <a:latin typeface="Arial" panose="020B0604020202020204" pitchFamily="34" charset="0"/>
+                <a:cs typeface="Arial" panose="020B0604020202020204" pitchFamily="34" charset="0"/>
+              </a:rPr>
+              <a:t>CallHierarchy</a:t>
+            </a:r>
+            <a:endParaRPr lang="en-US" altLang="zh-CN" sz="2000" dirty="0">
+              <a:latin typeface="Arial" panose="020B0604020202020204" pitchFamily="34" charset="0"/>
+              <a:cs typeface="Arial" panose="020B0604020202020204" pitchFamily="34" charset="0"/>
+            </a:endParaRPr>
+          </a:p>
+          <a:p>
+            <a:pPr marL="342900" indent="-342900">
+              <a:lnSpc>
+                <a:spcPct val="150000"/>
+              </a:lnSpc>
+              <a:spcAft>
+                <a:spcPts val="800"/>
+              </a:spcAft>
+              <a:buFont typeface="Arial" panose="020B0604020202020204" pitchFamily="34" charset="0"/>
+              <a:buChar char="•"/>
+            </a:pPr>
+            <a:r>
+              <a:rPr lang="zh-CN" altLang="en-US" sz="2000" b="1" dirty="0">
+                <a:latin typeface="Arial" panose="020B0604020202020204" pitchFamily="34" charset="0"/>
+                <a:cs typeface="Arial" panose="020B0604020202020204" pitchFamily="34" charset="0"/>
+              </a:rPr>
+              <a:t>结果</a:t>
+            </a:r>
+            <a:r>
+              <a:rPr lang="zh-CN" altLang="en-US" sz="2000" dirty="0">
+                <a:latin typeface="Arial" panose="020B0604020202020204" pitchFamily="34" charset="0"/>
+                <a:cs typeface="Arial" panose="020B0604020202020204" pitchFamily="34" charset="0"/>
+              </a:rPr>
+              <a:t>：按时完成测试作业，学会了代码内部的运行方式和逻辑，能够查找潜在的错误和缺陷</a:t>
+            </a:r>
+            <a:endParaRPr lang="en-US" altLang="zh-CN" sz="2000" dirty="0">
+              <a:latin typeface="Arial" panose="020B0604020202020204" pitchFamily="34" charset="0"/>
+              <a:cs typeface="Arial" panose="020B0604020202020204" pitchFamily="34" charset="0"/>
+            </a:endParaRPr>
+          </a:p>
+          <a:p>
+            <a:pPr marL="342900" indent="-342900">
+              <a:lnSpc>
+                <a:spcPct val="150000"/>
+              </a:lnSpc>
+              <a:spcAft>
+                <a:spcPts val="800"/>
+              </a:spcAft>
+              <a:buFont typeface="Arial" panose="020B0604020202020204" pitchFamily="34" charset="0"/>
+              <a:buChar char="•"/>
+            </a:pPr>
             <a:endParaRPr lang="en-US" altLang="zh-CN" sz="2000" b="1" dirty="0">
               <a:latin typeface="Arial" panose="020B0604020202020204" pitchFamily="34" charset="0"/>
               <a:cs typeface="Arial" panose="020B0604020202020204" pitchFamily="34" charset="0"/>
@@ -24880,21 +25063,6 @@
 </file>
 
 <file path=customXml/item1.xml><?xml version="1.0" encoding="utf-8"?>
-<p:properties xmlns:p="http://schemas.microsoft.com/office/2006/metadata/properties" xmlns:xsi="http://www.w3.org/2001/XMLSchema-instance" xmlns:pc="http://schemas.microsoft.com/office/infopath/2007/PartnerControls">
-  <documentManagement/>
-</p:properties>
-</file>
-
-<file path=customXml/item2.xml><?xml version="1.0" encoding="utf-8"?>
-<?mso-contentType ?>
-<FormTemplates xmlns="http://schemas.microsoft.com/sharepoint/v3/contenttype/forms">
-  <Display>DocumentLibraryForm</Display>
-  <Edit>DocumentLibraryForm</Edit>
-  <New>DocumentLibraryForm</New>
-</FormTemplates>
-</file>
-
-<file path=customXml/item3.xml><?xml version="1.0" encoding="utf-8"?>
 <ct:contentTypeSchema xmlns:ct="http://schemas.microsoft.com/office/2006/metadata/contentType" xmlns:ma="http://schemas.microsoft.com/office/2006/metadata/properties/metaAttributes" ct:_="" ma:_="" ma:contentTypeName="Document" ma:contentTypeID="0x010100916F182140194F4A8CCC57EE77F8793D" ma:contentTypeVersion="4" ma:contentTypeDescription="Create a new document." ma:contentTypeScope="" ma:versionID="f24d8051ee861718e22b0ae7423b30c7">
   <xsd:schema xmlns:xsd="http://www.w3.org/2001/XMLSchema" xmlns:xs="http://www.w3.org/2001/XMLSchema" xmlns:p="http://schemas.microsoft.com/office/2006/metadata/properties" xmlns:ns2="f228489a-dcf5-4b36-becb-e077c37c524e" targetNamespace="http://schemas.microsoft.com/office/2006/metadata/properties" ma:root="true" ma:fieldsID="3e265d2d88944d89f3255ee9925721a9" ns2:_="">
     <xsd:import namespace="f228489a-dcf5-4b36-becb-e077c37c524e"/>
@@ -25040,24 +25208,22 @@
 </ct:contentTypeSchema>
 </file>
 
-<file path=customXml/itemProps1.xml><?xml version="1.0" encoding="utf-8"?>
-<ds:datastoreItem xmlns:ds="http://schemas.openxmlformats.org/officeDocument/2006/customXml" ds:itemID="{F9E3DFC7-539B-4B55-9D4E-50BDD86210B4}">
-  <ds:schemaRefs>
-    <ds:schemaRef ds:uri="http://schemas.microsoft.com/office/2006/metadata/properties"/>
-    <ds:schemaRef ds:uri="http://schemas.microsoft.com/office/infopath/2007/PartnerControls"/>
-  </ds:schemaRefs>
-</ds:datastoreItem>
+<file path=customXml/item2.xml><?xml version="1.0" encoding="utf-8"?>
+<?mso-contentType ?>
+<FormTemplates xmlns="http://schemas.microsoft.com/sharepoint/v3/contenttype/forms">
+  <Display>DocumentLibraryForm</Display>
+  <Edit>DocumentLibraryForm</Edit>
+  <New>DocumentLibraryForm</New>
+</FormTemplates>
 </file>
 
-<file path=customXml/itemProps2.xml><?xml version="1.0" encoding="utf-8"?>
-<ds:datastoreItem xmlns:ds="http://schemas.openxmlformats.org/officeDocument/2006/customXml" ds:itemID="{9774891E-6564-4958-A4CF-188F7360FC52}">
-  <ds:schemaRefs>
-    <ds:schemaRef ds:uri="http://schemas.microsoft.com/sharepoint/v3/contenttype/forms"/>
-  </ds:schemaRefs>
-</ds:datastoreItem>
+<file path=customXml/item3.xml><?xml version="1.0" encoding="utf-8"?>
+<p:properties xmlns:p="http://schemas.microsoft.com/office/2006/metadata/properties" xmlns:xsi="http://www.w3.org/2001/XMLSchema-instance" xmlns:pc="http://schemas.microsoft.com/office/infopath/2007/PartnerControls">
+  <documentManagement/>
+</p:properties>
 </file>
 
-<file path=customXml/itemProps3.xml><?xml version="1.0" encoding="utf-8"?>
+<file path=customXml/itemProps1.xml><?xml version="1.0" encoding="utf-8"?>
 <ds:datastoreItem xmlns:ds="http://schemas.openxmlformats.org/officeDocument/2006/customXml" ds:itemID="{25BBF9B6-64C3-4607-AD5B-D62FD888A901}">
   <ds:schemaRefs>
     <ds:schemaRef ds:uri="http://schemas.microsoft.com/office/2006/metadata/contentType"/>
@@ -25073,4 +25239,21 @@
     <ds:schemaRef ds:uri="http://schemas.microsoft.com/internal/obd"/>
   </ds:schemaRefs>
 </ds:datastoreItem>
+</file>
+
+<file path=customXml/itemProps2.xml><?xml version="1.0" encoding="utf-8"?>
+<ds:datastoreItem xmlns:ds="http://schemas.openxmlformats.org/officeDocument/2006/customXml" ds:itemID="{9774891E-6564-4958-A4CF-188F7360FC52}">
+  <ds:schemaRefs>
+    <ds:schemaRef ds:uri="http://schemas.microsoft.com/sharepoint/v3/contenttype/forms"/>
+  </ds:schemaRefs>
+</ds:datastoreItem>
+</file>
+
+<file path=customXml/itemProps3.xml><?xml version="1.0" encoding="utf-8"?>
+<ds:datastoreItem xmlns:ds="http://schemas.openxmlformats.org/officeDocument/2006/customXml" ds:itemID="{F9E3DFC7-539B-4B55-9D4E-50BDD86210B4}">
+  <ds:schemaRefs>
+    <ds:schemaRef ds:uri="http://schemas.microsoft.com/office/2006/metadata/properties"/>
+    <ds:schemaRef ds:uri="http://schemas.microsoft.com/office/infopath/2007/PartnerControls"/>
+  </ds:schemaRefs>
+</ds:datastoreItem>
 </file>
--- a/company space/实习报告/实习报告_朱赫 [.pptx
+++ b/company space/实习报告/实习报告_朱赫 [.pptx
@@ -5,25 +5,26 @@
     <p:sldMasterId id="2147483648" r:id="rId4"/>
   </p:sldMasterIdLst>
   <p:notesMasterIdLst>
-    <p:notesMasterId r:id="rId18"/>
+    <p:notesMasterId r:id="rId19"/>
   </p:notesMasterIdLst>
   <p:handoutMasterIdLst>
-    <p:handoutMasterId r:id="rId19"/>
+    <p:handoutMasterId r:id="rId20"/>
   </p:handoutMasterIdLst>
   <p:sldIdLst>
     <p:sldId id="2134804432" r:id="rId5"/>
     <p:sldId id="2147308081" r:id="rId6"/>
-    <p:sldId id="2147308084" r:id="rId7"/>
-    <p:sldId id="2147308085" r:id="rId8"/>
-    <p:sldId id="2147308090" r:id="rId9"/>
-    <p:sldId id="2147308091" r:id="rId10"/>
-    <p:sldId id="2147308093" r:id="rId11"/>
-    <p:sldId id="2147308094" r:id="rId12"/>
-    <p:sldId id="2147308095" r:id="rId13"/>
-    <p:sldId id="2147308086" r:id="rId14"/>
-    <p:sldId id="2147308092" r:id="rId15"/>
-    <p:sldId id="2147308087" r:id="rId16"/>
-    <p:sldId id="2147308089" r:id="rId17"/>
+    <p:sldId id="314" r:id="rId7"/>
+    <p:sldId id="2147308084" r:id="rId8"/>
+    <p:sldId id="2147308085" r:id="rId9"/>
+    <p:sldId id="2147308090" r:id="rId10"/>
+    <p:sldId id="2147308091" r:id="rId11"/>
+    <p:sldId id="2147308093" r:id="rId12"/>
+    <p:sldId id="2147308094" r:id="rId13"/>
+    <p:sldId id="2147308095" r:id="rId14"/>
+    <p:sldId id="2147308086" r:id="rId15"/>
+    <p:sldId id="2147308092" r:id="rId16"/>
+    <p:sldId id="2147308087" r:id="rId17"/>
+    <p:sldId id="2147308089" r:id="rId18"/>
   </p:sldIdLst>
   <p:sldSz cx="14630400" cy="8229600"/>
   <p:notesSz cx="7772400" cy="14173200"/>
@@ -813,6 +814,90 @@
 </p:notes>
 </file>
 
+<file path=ppt/notesSlides/notesSlide2.xml><?xml version="1.0" encoding="utf-8"?>
+<p:notes xmlns:a="http://schemas.openxmlformats.org/drawingml/2006/main" xmlns:r="http://schemas.openxmlformats.org/officeDocument/2006/relationships" xmlns:p="http://schemas.openxmlformats.org/presentationml/2006/main">
+  <p:cSld>
+    <p:spTree>
+      <p:nvGrpSpPr>
+        <p:cNvPr id="1" name=""/>
+        <p:cNvGrpSpPr/>
+        <p:nvPr/>
+      </p:nvGrpSpPr>
+      <p:grpSpPr>
+        <a:xfrm>
+          <a:off x="0" y="0"/>
+          <a:ext cx="0" cy="0"/>
+          <a:chOff x="0" y="0"/>
+          <a:chExt cx="0" cy="0"/>
+        </a:xfrm>
+      </p:grpSpPr>
+      <p:sp>
+        <p:nvSpPr>
+          <p:cNvPr id="2" name="幻灯片图像占位符 1"/>
+          <p:cNvSpPr>
+            <a:spLocks noGrp="1" noRot="1" noChangeAspect="1"/>
+          </p:cNvSpPr>
+          <p:nvPr>
+            <p:ph type="sldImg"/>
+          </p:nvPr>
+        </p:nvSpPr>
+        <p:spPr/>
+      </p:sp>
+      <p:sp>
+        <p:nvSpPr>
+          <p:cNvPr id="3" name="备注占位符 2"/>
+          <p:cNvSpPr>
+            <a:spLocks noGrp="1"/>
+          </p:cNvSpPr>
+          <p:nvPr>
+            <p:ph type="body" idx="1"/>
+          </p:nvPr>
+        </p:nvSpPr>
+        <p:spPr/>
+        <p:txBody>
+          <a:bodyPr/>
+          <a:lstStyle/>
+          <a:p>
+            <a:endParaRPr lang="zh-CN" altLang="en-US" dirty="0"/>
+          </a:p>
+        </p:txBody>
+      </p:sp>
+      <p:sp>
+        <p:nvSpPr>
+          <p:cNvPr id="4" name="灯片编号占位符 3"/>
+          <p:cNvSpPr>
+            <a:spLocks noGrp="1"/>
+          </p:cNvSpPr>
+          <p:nvPr>
+            <p:ph type="sldNum" sz="quarter" idx="10"/>
+          </p:nvPr>
+        </p:nvSpPr>
+        <p:spPr/>
+        <p:txBody>
+          <a:bodyPr/>
+          <a:lstStyle/>
+          <a:p>
+            <a:fld id="{59E3CF89-91F4-45FB-A589-58532703FCA1}" type="slidenum">
+              <a:rPr lang="zh-CN" altLang="en-US" smtClean="0"/>
+              <a:t>3</a:t>
+            </a:fld>
+            <a:endParaRPr lang="zh-CN" altLang="en-US"/>
+          </a:p>
+        </p:txBody>
+      </p:sp>
+    </p:spTree>
+    <p:extLst>
+      <p:ext uri="{BB962C8B-B14F-4D97-AF65-F5344CB8AC3E}">
+        <p14:creationId xmlns:p14="http://schemas.microsoft.com/office/powerpoint/2010/main" val="2749987716"/>
+      </p:ext>
+    </p:extLst>
+  </p:cSld>
+  <p:clrMapOvr>
+    <a:masterClrMapping/>
+  </p:clrMapOvr>
+</p:notes>
+</file>
+
 <file path=ppt/slideLayouts/slideLayout1.xml><?xml version="1.0" encoding="utf-8"?>
 <p:sldLayout xmlns:a="http://schemas.openxmlformats.org/drawingml/2006/main" xmlns:r="http://schemas.openxmlformats.org/officeDocument/2006/relationships" xmlns:p="http://schemas.openxmlformats.org/presentationml/2006/main" showMasterSp="0" preserve="1" userDrawn="1">
   <p:cSld name="1_Deliver Excellence Title Slide">
@@ -11649,6 +11734,36 @@
       </p:transition>
     </mc:Fallback>
   </mc:AlternateContent>
+</p:sldLayout>
+</file>
+
+<file path=ppt/slideLayouts/slideLayout19.xml><?xml version="1.0" encoding="utf-8"?>
+<p:sldLayout xmlns:a="http://schemas.openxmlformats.org/drawingml/2006/main" xmlns:r="http://schemas.openxmlformats.org/officeDocument/2006/relationships" xmlns:p="http://schemas.openxmlformats.org/presentationml/2006/main" userDrawn="1">
+  <p:cSld name="标题幻灯片">
+    <p:spTree>
+      <p:nvGrpSpPr>
+        <p:cNvPr id="1" name=""/>
+        <p:cNvGrpSpPr/>
+        <p:nvPr/>
+      </p:nvGrpSpPr>
+      <p:grpSpPr>
+        <a:xfrm>
+          <a:off x="0" y="0"/>
+          <a:ext cx="0" cy="0"/>
+          <a:chOff x="0" y="0"/>
+          <a:chExt cx="0" cy="0"/>
+        </a:xfrm>
+      </p:grpSpPr>
+    </p:spTree>
+    <p:extLst>
+      <p:ext uri="{BB962C8B-B14F-4D97-AF65-F5344CB8AC3E}">
+        <p14:creationId xmlns:p14="http://schemas.microsoft.com/office/powerpoint/2010/main" val="330334048"/>
+      </p:ext>
+    </p:extLst>
+  </p:cSld>
+  <p:clrMapOvr>
+    <a:masterClrMapping/>
+  </p:clrMapOvr>
 </p:sldLayout>
 </file>
 
@@ -17752,10 +17867,10 @@
           <p:nvPr userDrawn="1"/>
         </p:nvPicPr>
         <p:blipFill>
-          <a:blip r:embed="rId20">
+          <a:blip r:embed="rId21">
             <a:extLst>
               <a:ext uri="{96DAC541-7B7A-43D3-8B79-37D633B846F1}">
-                <asvg:svgBlip xmlns:asvg="http://schemas.microsoft.com/office/drawing/2016/SVG/main" r:embed="rId21"/>
+                <asvg:svgBlip xmlns:asvg="http://schemas.microsoft.com/office/drawing/2016/SVG/main" r:embed="rId22"/>
               </a:ext>
             </a:extLst>
           </a:blip>
@@ -17800,6 +17915,7 @@
     <p:sldLayoutId id="2147483837" r:id="rId16"/>
     <p:sldLayoutId id="2147483655" r:id="rId17"/>
     <p:sldLayoutId id="2147483692" r:id="rId18"/>
+    <p:sldLayoutId id="2147483839" r:id="rId19"/>
   </p:sldLayoutIdLst>
   <mc:AlternateContent xmlns:mc="http://schemas.openxmlformats.org/markup-compatibility/2006" xmlns:p14="http://schemas.microsoft.com/office/powerpoint/2010/main">
     <mc:Choice Requires="p14">
@@ -18311,6 +18427,394 @@
                 <a:latin typeface="Microsoft YaHei" panose="020B0503020204020204" pitchFamily="34" charset="-122"/>
                 <a:ea typeface="Microsoft YaHei" panose="020B0503020204020204" pitchFamily="34" charset="-122"/>
               </a:rPr>
+              <a:t>实习工作总结</a:t>
+            </a:r>
+            <a:endParaRPr lang="en-US" dirty="0">
+              <a:latin typeface="Microsoft YaHei" panose="020B0503020204020204" pitchFamily="34" charset="-122"/>
+              <a:ea typeface="Microsoft YaHei" panose="020B0503020204020204" pitchFamily="34" charset="-122"/>
+            </a:endParaRPr>
+          </a:p>
+        </p:txBody>
+      </p:sp>
+      <p:sp>
+        <p:nvSpPr>
+          <p:cNvPr id="5" name="文本框 4">
+            <a:extLst>
+              <a:ext uri="{FF2B5EF4-FFF2-40B4-BE49-F238E27FC236}">
+                <a16:creationId xmlns:a16="http://schemas.microsoft.com/office/drawing/2014/main" id="{1FCCDA43-CFB1-4D36-87AC-9D0967782FAB}"/>
+              </a:ext>
+            </a:extLst>
+          </p:cNvPr>
+          <p:cNvSpPr txBox="1"/>
+          <p:nvPr/>
+        </p:nvSpPr>
+        <p:spPr>
+          <a:xfrm>
+            <a:off x="1197164" y="2359682"/>
+            <a:ext cx="11546958" cy="841236"/>
+          </a:xfrm>
+          <a:prstGeom prst="rect">
+            <a:avLst/>
+          </a:prstGeom>
+          <a:noFill/>
+        </p:spPr>
+        <p:txBody>
+          <a:bodyPr wrap="square" lIns="121899" tIns="60950" rIns="121899" bIns="60950" rtlCol="0">
+            <a:spAutoFit/>
+          </a:bodyPr>
+          <a:lstStyle/>
+          <a:p>
+            <a:pPr marL="342900" indent="-342900">
+              <a:spcAft>
+                <a:spcPts val="800"/>
+              </a:spcAft>
+              <a:buFont typeface="Arial" panose="020B0604020202020204" pitchFamily="34" charset="0"/>
+              <a:buChar char="•"/>
+            </a:pPr>
+            <a:endParaRPr lang="en-US" altLang="zh-CN" sz="2000" b="1" dirty="0">
+              <a:latin typeface="Arial" panose="020B0604020202020204" pitchFamily="34" charset="0"/>
+              <a:cs typeface="Arial" panose="020B0604020202020204" pitchFamily="34" charset="0"/>
+            </a:endParaRPr>
+          </a:p>
+          <a:p>
+            <a:pPr>
+              <a:spcAft>
+                <a:spcPts val="800"/>
+              </a:spcAft>
+            </a:pPr>
+            <a:endParaRPr lang="zh-CN" altLang="en-US" sz="2000" b="1" dirty="0">
+              <a:latin typeface="Arial" panose="020B0604020202020204" pitchFamily="34" charset="0"/>
+              <a:cs typeface="Arial" panose="020B0604020202020204" pitchFamily="34" charset="0"/>
+            </a:endParaRPr>
+          </a:p>
+        </p:txBody>
+      </p:sp>
+      <p:sp>
+        <p:nvSpPr>
+          <p:cNvPr id="6" name="文本框 5">
+            <a:extLst>
+              <a:ext uri="{FF2B5EF4-FFF2-40B4-BE49-F238E27FC236}">
+                <a16:creationId xmlns:a16="http://schemas.microsoft.com/office/drawing/2014/main" id="{BE86910D-FC35-4214-BC74-5B4E01076120}"/>
+              </a:ext>
+            </a:extLst>
+          </p:cNvPr>
+          <p:cNvSpPr txBox="1"/>
+          <p:nvPr/>
+        </p:nvSpPr>
+        <p:spPr>
+          <a:xfrm>
+            <a:off x="1197164" y="2057398"/>
+            <a:ext cx="11546958" cy="3156228"/>
+          </a:xfrm>
+          <a:prstGeom prst="rect">
+            <a:avLst/>
+          </a:prstGeom>
+          <a:noFill/>
+        </p:spPr>
+        <p:txBody>
+          <a:bodyPr wrap="square" lIns="121899" tIns="60950" rIns="121899" bIns="60950" rtlCol="0">
+            <a:spAutoFit/>
+          </a:bodyPr>
+          <a:lstStyle/>
+          <a:p>
+            <a:pPr>
+              <a:spcAft>
+                <a:spcPts val="800"/>
+              </a:spcAft>
+            </a:pPr>
+            <a:r>
+              <a:rPr lang="en-US" altLang="zh-CN" sz="2400" b="1" dirty="0">
+                <a:latin typeface="Arial" panose="020B0604020202020204" pitchFamily="34" charset="0"/>
+                <a:cs typeface="Arial" panose="020B0604020202020204" pitchFamily="34" charset="0"/>
+              </a:rPr>
+              <a:t>R3-1909</a:t>
+            </a:r>
+            <a:r>
+              <a:rPr lang="zh-CN" altLang="en-US" sz="2400" b="1" dirty="0">
+                <a:latin typeface="Arial" panose="020B0604020202020204" pitchFamily="34" charset="0"/>
+                <a:cs typeface="Arial" panose="020B0604020202020204" pitchFamily="34" charset="0"/>
+              </a:rPr>
+              <a:t>（续）</a:t>
+            </a:r>
+            <a:endParaRPr lang="en-US" altLang="zh-CN" sz="2400" b="1" dirty="0">
+              <a:latin typeface="Arial" panose="020B0604020202020204" pitchFamily="34" charset="0"/>
+              <a:cs typeface="Arial" panose="020B0604020202020204" pitchFamily="34" charset="0"/>
+            </a:endParaRPr>
+          </a:p>
+          <a:p>
+            <a:pPr marL="342900" indent="-342900">
+              <a:lnSpc>
+                <a:spcPct val="150000"/>
+              </a:lnSpc>
+              <a:spcAft>
+                <a:spcPts val="800"/>
+              </a:spcAft>
+              <a:buFont typeface="Arial" panose="020B0604020202020204" pitchFamily="34" charset="0"/>
+              <a:buChar char="•"/>
+            </a:pPr>
+            <a:r>
+              <a:rPr lang="zh-CN" altLang="en-US" sz="2000" b="1" dirty="0">
+                <a:latin typeface="Arial" panose="020B0604020202020204" pitchFamily="34" charset="0"/>
+                <a:cs typeface="Arial" panose="020B0604020202020204" pitchFamily="34" charset="0"/>
+              </a:rPr>
+              <a:t>需求（改修点）：</a:t>
+            </a:r>
+            <a:r>
+              <a:rPr lang="zh-CN" altLang="en-US" sz="2000" dirty="0">
+                <a:latin typeface="Arial" panose="020B0604020202020204" pitchFamily="34" charset="0"/>
+                <a:cs typeface="Arial" panose="020B0604020202020204" pitchFamily="34" charset="0"/>
+              </a:rPr>
+              <a:t>在之间的测试过程中，发现了</a:t>
+            </a:r>
+            <a:r>
+              <a:rPr lang="en-US" altLang="zh-CN" sz="2000" dirty="0">
+                <a:latin typeface="Arial" panose="020B0604020202020204" pitchFamily="34" charset="0"/>
+                <a:cs typeface="Arial" panose="020B0604020202020204" pitchFamily="34" charset="0"/>
+              </a:rPr>
+              <a:t>bug</a:t>
+            </a:r>
+            <a:r>
+              <a:rPr lang="zh-CN" altLang="en-US" sz="2000" dirty="0">
+                <a:latin typeface="Arial" panose="020B0604020202020204" pitchFamily="34" charset="0"/>
+                <a:cs typeface="Arial" panose="020B0604020202020204" pitchFamily="34" charset="0"/>
+              </a:rPr>
+              <a:t>，需要修改请求端</a:t>
+            </a:r>
+            <a:r>
+              <a:rPr lang="en-US" altLang="zh-CN" sz="2000" dirty="0">
+                <a:latin typeface="Arial" panose="020B0604020202020204" pitchFamily="34" charset="0"/>
+                <a:cs typeface="Arial" panose="020B0604020202020204" pitchFamily="34" charset="0"/>
+              </a:rPr>
+              <a:t>json</a:t>
+            </a:r>
+            <a:r>
+              <a:rPr lang="zh-CN" altLang="en-US" sz="2000" dirty="0">
+                <a:latin typeface="Arial" panose="020B0604020202020204" pitchFamily="34" charset="0"/>
+                <a:cs typeface="Arial" panose="020B0604020202020204" pitchFamily="34" charset="0"/>
+              </a:rPr>
+              <a:t>格式并修改接收端代码</a:t>
+            </a:r>
+            <a:endParaRPr lang="en-US" altLang="zh-CN" sz="2000" dirty="0">
+              <a:latin typeface="Arial" panose="020B0604020202020204" pitchFamily="34" charset="0"/>
+              <a:cs typeface="Arial" panose="020B0604020202020204" pitchFamily="34" charset="0"/>
+            </a:endParaRPr>
+          </a:p>
+          <a:p>
+            <a:pPr marL="342900" indent="-342900">
+              <a:lnSpc>
+                <a:spcPct val="150000"/>
+              </a:lnSpc>
+              <a:spcAft>
+                <a:spcPts val="800"/>
+              </a:spcAft>
+              <a:buFont typeface="Arial" panose="020B0604020202020204" pitchFamily="34" charset="0"/>
+              <a:buChar char="•"/>
+            </a:pPr>
+            <a:r>
+              <a:rPr lang="zh-CN" altLang="en-US" sz="2000" b="1" dirty="0">
+                <a:latin typeface="Arial" panose="020B0604020202020204" pitchFamily="34" charset="0"/>
+                <a:cs typeface="Arial" panose="020B0604020202020204" pitchFamily="34" charset="0"/>
+              </a:rPr>
+              <a:t>任务</a:t>
+            </a:r>
+            <a:r>
+              <a:rPr lang="zh-CN" altLang="en-US" sz="2000" dirty="0">
+                <a:latin typeface="Arial" panose="020B0604020202020204" pitchFamily="34" charset="0"/>
+                <a:cs typeface="Arial" panose="020B0604020202020204" pitchFamily="34" charset="0"/>
+              </a:rPr>
+              <a:t>：尝试在本地修改代码改变</a:t>
+            </a:r>
+            <a:r>
+              <a:rPr lang="en-US" altLang="zh-CN" sz="2000" dirty="0">
+                <a:latin typeface="Arial" panose="020B0604020202020204" pitchFamily="34" charset="0"/>
+                <a:cs typeface="Arial" panose="020B0604020202020204" pitchFamily="34" charset="0"/>
+              </a:rPr>
+              <a:t>json</a:t>
+            </a:r>
+            <a:r>
+              <a:rPr lang="zh-CN" altLang="en-US" sz="2000" dirty="0">
+                <a:latin typeface="Arial" panose="020B0604020202020204" pitchFamily="34" charset="0"/>
+                <a:cs typeface="Arial" panose="020B0604020202020204" pitchFamily="34" charset="0"/>
+              </a:rPr>
+              <a:t>格式，等待导师修改代码后，自己写测试</a:t>
+            </a:r>
+            <a:r>
+              <a:rPr lang="en-US" altLang="zh-CN" sz="2000" dirty="0">
+                <a:latin typeface="Arial" panose="020B0604020202020204" pitchFamily="34" charset="0"/>
+                <a:cs typeface="Arial" panose="020B0604020202020204" pitchFamily="34" charset="0"/>
+              </a:rPr>
+              <a:t>case</a:t>
+            </a:r>
+            <a:r>
+              <a:rPr lang="zh-CN" altLang="en-US" sz="2000" dirty="0">
+                <a:latin typeface="Arial" panose="020B0604020202020204" pitchFamily="34" charset="0"/>
+                <a:cs typeface="Arial" panose="020B0604020202020204" pitchFamily="34" charset="0"/>
+              </a:rPr>
+              <a:t>后进行测试。在本地环境测试完成，开发人员将应用部署到</a:t>
+            </a:r>
+            <a:r>
+              <a:rPr lang="en-US" altLang="zh-CN" sz="2000" dirty="0">
+                <a:latin typeface="Arial" panose="020B0604020202020204" pitchFamily="34" charset="0"/>
+                <a:cs typeface="Arial" panose="020B0604020202020204" pitchFamily="34" charset="0"/>
+              </a:rPr>
+              <a:t>Azure</a:t>
+            </a:r>
+            <a:r>
+              <a:rPr lang="zh-CN" altLang="en-US" sz="2000" dirty="0">
+                <a:latin typeface="Arial" panose="020B0604020202020204" pitchFamily="34" charset="0"/>
+                <a:cs typeface="Arial" panose="020B0604020202020204" pitchFamily="34" charset="0"/>
+              </a:rPr>
+              <a:t>上后，进行黑盒测试，验证程序是否能跑通</a:t>
+            </a:r>
+            <a:endParaRPr lang="en-US" altLang="ja-JP" sz="2000" dirty="0">
+              <a:latin typeface="Arial" panose="020B0604020202020204" pitchFamily="34" charset="0"/>
+              <a:cs typeface="Arial" panose="020B0604020202020204" pitchFamily="34" charset="0"/>
+            </a:endParaRPr>
+          </a:p>
+          <a:p>
+            <a:pPr marL="342900" indent="-342900">
+              <a:lnSpc>
+                <a:spcPct val="150000"/>
+              </a:lnSpc>
+              <a:spcAft>
+                <a:spcPts val="800"/>
+              </a:spcAft>
+              <a:buFont typeface="Arial" panose="020B0604020202020204" pitchFamily="34" charset="0"/>
+              <a:buChar char="•"/>
+            </a:pPr>
+            <a:r>
+              <a:rPr lang="zh-CN" altLang="en-US" sz="2000" b="1" dirty="0">
+                <a:latin typeface="Arial" panose="020B0604020202020204" pitchFamily="34" charset="0"/>
+                <a:cs typeface="Arial" panose="020B0604020202020204" pitchFamily="34" charset="0"/>
+              </a:rPr>
+              <a:t>行动</a:t>
+            </a:r>
+            <a:r>
+              <a:rPr lang="zh-CN" altLang="en-US" sz="2000" dirty="0">
+                <a:latin typeface="Arial" panose="020B0604020202020204" pitchFamily="34" charset="0"/>
+                <a:cs typeface="Arial" panose="020B0604020202020204" pitchFamily="34" charset="0"/>
+              </a:rPr>
+              <a:t>：在测试阶段，发现问题后上报解决</a:t>
+            </a:r>
+            <a:endParaRPr lang="en-US" altLang="zh-CN" sz="2000" dirty="0">
+              <a:latin typeface="Arial" panose="020B0604020202020204" pitchFamily="34" charset="0"/>
+              <a:cs typeface="Arial" panose="020B0604020202020204" pitchFamily="34" charset="0"/>
+            </a:endParaRPr>
+          </a:p>
+          <a:p>
+            <a:pPr marL="342900" indent="-342900">
+              <a:lnSpc>
+                <a:spcPct val="150000"/>
+              </a:lnSpc>
+              <a:spcAft>
+                <a:spcPts val="800"/>
+              </a:spcAft>
+              <a:buFont typeface="Arial" panose="020B0604020202020204" pitchFamily="34" charset="0"/>
+              <a:buChar char="•"/>
+            </a:pPr>
+            <a:r>
+              <a:rPr lang="zh-CN" altLang="en-US" sz="2000" b="1" dirty="0">
+                <a:latin typeface="Arial" panose="020B0604020202020204" pitchFamily="34" charset="0"/>
+                <a:cs typeface="Arial" panose="020B0604020202020204" pitchFamily="34" charset="0"/>
+              </a:rPr>
+              <a:t>结果</a:t>
+            </a:r>
+            <a:r>
+              <a:rPr lang="zh-CN" altLang="en-US" sz="2000" dirty="0">
+                <a:latin typeface="Arial" panose="020B0604020202020204" pitchFamily="34" charset="0"/>
+                <a:cs typeface="Arial" panose="020B0604020202020204" pitchFamily="34" charset="0"/>
+              </a:rPr>
+              <a:t>：规定期限内完成自己的任务，了解了项目中</a:t>
+            </a:r>
+            <a:r>
+              <a:rPr lang="en-US" altLang="zh-CN" sz="2000" dirty="0">
+                <a:latin typeface="Arial" panose="020B0604020202020204" pitchFamily="34" charset="0"/>
+                <a:cs typeface="Arial" panose="020B0604020202020204" pitchFamily="34" charset="0"/>
+              </a:rPr>
+              <a:t>Azure Batch</a:t>
+            </a:r>
+            <a:r>
+              <a:rPr lang="zh-CN" altLang="en-US" sz="2000" dirty="0">
+                <a:latin typeface="Arial" panose="020B0604020202020204" pitchFamily="34" charset="0"/>
+                <a:cs typeface="Arial" panose="020B0604020202020204" pitchFamily="34" charset="0"/>
+              </a:rPr>
+              <a:t>相关代码、处理流程以及请求格式</a:t>
+            </a:r>
+            <a:endParaRPr lang="zh-CN" altLang="en-US" sz="2000" b="1" dirty="0">
+              <a:latin typeface="Arial" panose="020B0604020202020204" pitchFamily="34" charset="0"/>
+              <a:cs typeface="Arial" panose="020B0604020202020204" pitchFamily="34" charset="0"/>
+            </a:endParaRPr>
+          </a:p>
+        </p:txBody>
+      </p:sp>
+    </p:spTree>
+    <p:extLst>
+      <p:ext uri="{BB962C8B-B14F-4D97-AF65-F5344CB8AC3E}">
+        <p14:creationId xmlns:p14="http://schemas.microsoft.com/office/powerpoint/2010/main" val="2528171752"/>
+      </p:ext>
+    </p:extLst>
+  </p:cSld>
+  <p:clrMapOvr>
+    <a:masterClrMapping/>
+  </p:clrMapOvr>
+  <mc:AlternateContent xmlns:mc="http://schemas.openxmlformats.org/markup-compatibility/2006" xmlns:p14="http://schemas.microsoft.com/office/powerpoint/2010/main">
+    <mc:Choice Requires="p14">
+      <p:transition spd="med" p14:dur="700">
+        <p:fade/>
+      </p:transition>
+    </mc:Choice>
+    <mc:Fallback xmlns="">
+      <p:transition spd="med">
+        <p:fade/>
+      </p:transition>
+    </mc:Fallback>
+  </mc:AlternateContent>
+</p:sld>
+</file>
+
+<file path=ppt/slides/slide11.xml><?xml version="1.0" encoding="utf-8"?>
+<p:sld xmlns:a="http://schemas.openxmlformats.org/drawingml/2006/main" xmlns:r="http://schemas.openxmlformats.org/officeDocument/2006/relationships" xmlns:p="http://schemas.openxmlformats.org/presentationml/2006/main">
+  <p:cSld>
+    <p:spTree>
+      <p:nvGrpSpPr>
+        <p:cNvPr id="1" name=""/>
+        <p:cNvGrpSpPr/>
+        <p:nvPr/>
+      </p:nvGrpSpPr>
+      <p:grpSpPr>
+        <a:xfrm>
+          <a:off x="0" y="0"/>
+          <a:ext cx="0" cy="0"/>
+          <a:chOff x="0" y="0"/>
+          <a:chExt cx="0" cy="0"/>
+        </a:xfrm>
+      </p:grpSpPr>
+      <p:sp>
+        <p:nvSpPr>
+          <p:cNvPr id="2" name="Title 1">
+            <a:extLst>
+              <a:ext uri="{FF2B5EF4-FFF2-40B4-BE49-F238E27FC236}">
+                <a16:creationId xmlns:a16="http://schemas.microsoft.com/office/drawing/2014/main" id="{AF5845F6-4764-451F-B1E8-0A765B6C77B3}"/>
+              </a:ext>
+            </a:extLst>
+          </p:cNvPr>
+          <p:cNvSpPr>
+            <a:spLocks noGrp="1"/>
+          </p:cNvSpPr>
+          <p:nvPr>
+            <p:ph type="title"/>
+          </p:nvPr>
+        </p:nvSpPr>
+        <p:spPr/>
+        <p:txBody>
+          <a:bodyPr/>
+          <a:lstStyle/>
+          <a:p>
+            <a:r>
+              <a:rPr lang="zh-CN" altLang="en-US" dirty="0">
+                <a:latin typeface="Microsoft YaHei" panose="020B0503020204020204" pitchFamily="34" charset="-122"/>
+                <a:ea typeface="Microsoft YaHei" panose="020B0503020204020204" pitchFamily="34" charset="-122"/>
+              </a:rPr>
               <a:t>实习期间个人成长</a:t>
             </a:r>
             <a:endParaRPr lang="en-US" dirty="0">
@@ -19207,7 +19711,7 @@
 </p:sld>
 </file>
 
-<file path=ppt/slides/slide11.xml><?xml version="1.0" encoding="utf-8"?>
+<file path=ppt/slides/slide12.xml><?xml version="1.0" encoding="utf-8"?>
 <p:sld xmlns:a="http://schemas.openxmlformats.org/drawingml/2006/main" xmlns:r="http://schemas.openxmlformats.org/officeDocument/2006/relationships" xmlns:p="http://schemas.openxmlformats.org/presentationml/2006/main">
   <p:cSld>
     <p:spTree>
@@ -19306,27 +19810,20 @@
             <a:prstGeom prst="rect">
               <a:avLst/>
             </a:prstGeom>
-            <a:solidFill>
-              <a:schemeClr val="bg1"/>
-            </a:solidFill>
-            <a:ln>
-              <a:solidFill>
-                <a:schemeClr val="accent1"/>
-              </a:solidFill>
-            </a:ln>
-          </p:spPr>
-          <p:style>
-            <a:lnRef idx="0">
+            <a:ln/>
+          </p:spPr>
+          <p:style>
+            <a:lnRef idx="2">
               <a:schemeClr val="accent1"/>
             </a:lnRef>
             <a:fillRef idx="1">
-              <a:schemeClr val="accent1"/>
+              <a:schemeClr val="lt1"/>
             </a:fillRef>
             <a:effectRef idx="0">
               <a:schemeClr val="accent1"/>
             </a:effectRef>
             <a:fontRef idx="minor">
-              <a:schemeClr val="lt1"/>
+              <a:schemeClr val="dk1"/>
             </a:fontRef>
           </p:style>
           <p:txBody>
@@ -19695,7 +20192,7 @@
 </p:sld>
 </file>
 
-<file path=ppt/slides/slide12.xml><?xml version="1.0" encoding="utf-8"?>
+<file path=ppt/slides/slide13.xml><?xml version="1.0" encoding="utf-8"?>
 <p:sld xmlns:a="http://schemas.openxmlformats.org/drawingml/2006/main" xmlns:r="http://schemas.openxmlformats.org/officeDocument/2006/relationships" xmlns:p="http://schemas.openxmlformats.org/presentationml/2006/main">
   <p:cSld>
     <p:spTree>
@@ -20592,7 +21089,7 @@
         <p:spPr>
           <a:xfrm>
             <a:off x="4163894" y="2497518"/>
-            <a:ext cx="4036044" cy="5047515"/>
+            <a:ext cx="4036044" cy="4678184"/>
           </a:xfrm>
           <a:prstGeom prst="rect">
             <a:avLst/>
@@ -20719,7 +21216,7 @@
                 <a:latin typeface="Microsoft YaHei" panose="020B0503020204020204" pitchFamily="34" charset="-122"/>
                 <a:ea typeface="Microsoft YaHei" panose="020B0503020204020204" pitchFamily="34" charset="-122"/>
               </a:rPr>
-              <a:t>加强项目管理和团队协作等软技能方面的能力。需要更好地了解各种开发流程和方法，并熟悉市场趋势和用户需求</a:t>
+              <a:t>加强项目管理和团队协作等软技能方面的能力。</a:t>
             </a:r>
             <a:endParaRPr lang="en-US" altLang="zh-CN" sz="1600" dirty="0">
               <a:latin typeface="Microsoft YaHei" panose="020B0503020204020204" pitchFamily="34" charset="-122"/>
@@ -20864,7 +21361,7 @@
 </p:sld>
 </file>
 
-<file path=ppt/slides/slide13.xml><?xml version="1.0" encoding="utf-8"?>
+<file path=ppt/slides/slide14.xml><?xml version="1.0" encoding="utf-8"?>
 <p:sld xmlns:a="http://schemas.openxmlformats.org/drawingml/2006/main" xmlns:r="http://schemas.openxmlformats.org/officeDocument/2006/relationships" xmlns:p="http://schemas.openxmlformats.org/presentationml/2006/main">
   <p:cSld>
     <p:spTree>
@@ -21285,6 +21782,1299 @@
           <a:chExt cx="0" cy="0"/>
         </a:xfrm>
       </p:grpSpPr>
+      <p:grpSp>
+        <p:nvGrpSpPr>
+          <p:cNvPr id="49" name="【公众号：阿拉丁PPT】_1"/>
+          <p:cNvGrpSpPr/>
+          <p:nvPr/>
+        </p:nvGrpSpPr>
+        <p:grpSpPr>
+          <a:xfrm>
+            <a:off x="16310" y="4940281"/>
+            <a:ext cx="14618971" cy="2400300"/>
+            <a:chOff x="6350" y="1903413"/>
+            <a:chExt cx="12182476" cy="2000250"/>
+          </a:xfrm>
+        </p:grpSpPr>
+        <p:sp>
+          <p:nvSpPr>
+            <p:cNvPr id="50" name="Freeform 16"/>
+            <p:cNvSpPr>
+              <a:spLocks/>
+            </p:cNvSpPr>
+            <p:nvPr/>
+          </p:nvSpPr>
+          <p:spPr bwMode="auto">
+            <a:xfrm>
+              <a:off x="6350" y="2878138"/>
+              <a:ext cx="6091238" cy="1025525"/>
+            </a:xfrm>
+            <a:custGeom>
+              <a:avLst/>
+              <a:gdLst>
+                <a:gd name="T0" fmla="*/ 1920 w 1920"/>
+                <a:gd name="T1" fmla="*/ 323 h 323"/>
+                <a:gd name="T2" fmla="*/ 1209 w 1920"/>
+                <a:gd name="T3" fmla="*/ 38 h 323"/>
+                <a:gd name="T4" fmla="*/ 0 w 1920"/>
+                <a:gd name="T5" fmla="*/ 86 h 323"/>
+              </a:gdLst>
+              <a:ahLst/>
+              <a:cxnLst>
+                <a:cxn ang="0">
+                  <a:pos x="T0" y="T1"/>
+                </a:cxn>
+                <a:cxn ang="0">
+                  <a:pos x="T2" y="T3"/>
+                </a:cxn>
+                <a:cxn ang="0">
+                  <a:pos x="T4" y="T5"/>
+                </a:cxn>
+              </a:cxnLst>
+              <a:rect l="0" t="0" r="r" b="b"/>
+              <a:pathLst>
+                <a:path w="1920" h="323">
+                  <a:moveTo>
+                    <a:pt x="1920" y="323"/>
+                  </a:moveTo>
+                  <a:cubicBezTo>
+                    <a:pt x="1742" y="142"/>
+                    <a:pt x="1510" y="77"/>
+                    <a:pt x="1209" y="38"/>
+                  </a:cubicBezTo>
+                  <a:cubicBezTo>
+                    <a:pt x="928" y="2"/>
+                    <a:pt x="495" y="0"/>
+                    <a:pt x="0" y="86"/>
+                  </a:cubicBezTo>
+                </a:path>
+              </a:pathLst>
+            </a:custGeom>
+            <a:noFill/>
+            <a:ln w="63500" cap="flat">
+              <a:solidFill>
+                <a:schemeClr val="accent1"/>
+              </a:solidFill>
+              <a:prstDash val="solid"/>
+              <a:miter lim="800000"/>
+              <a:headEnd/>
+              <a:tailEnd/>
+            </a:ln>
+            <a:extLst>
+              <a:ext uri="{909E8E84-426E-40DD-AFC4-6F175D3DCCD1}">
+                <a14:hiddenFill xmlns:a14="http://schemas.microsoft.com/office/drawing/2010/main">
+                  <a:solidFill>
+                    <a:srgbClr val="FFFFFF"/>
+                  </a:solidFill>
+                </a14:hiddenFill>
+              </a:ext>
+            </a:extLst>
+          </p:spPr>
+          <p:txBody>
+            <a:bodyPr vert="horz" wrap="square" lIns="109728" tIns="54864" rIns="109728" bIns="54864" numCol="1" anchor="t" anchorCtr="0" compatLnSpc="1">
+              <a:prstTxWarp prst="textNoShape">
+                <a:avLst/>
+              </a:prstTxWarp>
+            </a:bodyPr>
+            <a:lstStyle/>
+            <a:p>
+              <a:endParaRPr lang="zh-CN" altLang="en-US" sz="3456"/>
+            </a:p>
+          </p:txBody>
+        </p:sp>
+        <p:sp>
+          <p:nvSpPr>
+            <p:cNvPr id="51" name="Freeform 17"/>
+            <p:cNvSpPr>
+              <a:spLocks/>
+            </p:cNvSpPr>
+            <p:nvPr/>
+          </p:nvSpPr>
+          <p:spPr bwMode="auto">
+            <a:xfrm>
+              <a:off x="6350" y="3068638"/>
+              <a:ext cx="6091238" cy="835025"/>
+            </a:xfrm>
+            <a:custGeom>
+              <a:avLst/>
+              <a:gdLst>
+                <a:gd name="T0" fmla="*/ 1920 w 1920"/>
+                <a:gd name="T1" fmla="*/ 263 h 263"/>
+                <a:gd name="T2" fmla="*/ 1155 w 1920"/>
+                <a:gd name="T3" fmla="*/ 28 h 263"/>
+                <a:gd name="T4" fmla="*/ 0 w 1920"/>
+                <a:gd name="T5" fmla="*/ 59 h 263"/>
+              </a:gdLst>
+              <a:ahLst/>
+              <a:cxnLst>
+                <a:cxn ang="0">
+                  <a:pos x="T0" y="T1"/>
+                </a:cxn>
+                <a:cxn ang="0">
+                  <a:pos x="T2" y="T3"/>
+                </a:cxn>
+                <a:cxn ang="0">
+                  <a:pos x="T4" y="T5"/>
+                </a:cxn>
+              </a:cxnLst>
+              <a:rect l="0" t="0" r="r" b="b"/>
+              <a:pathLst>
+                <a:path w="1920" h="263">
+                  <a:moveTo>
+                    <a:pt x="1920" y="263"/>
+                  </a:moveTo>
+                  <a:cubicBezTo>
+                    <a:pt x="1671" y="92"/>
+                    <a:pt x="1458" y="53"/>
+                    <a:pt x="1155" y="28"/>
+                  </a:cubicBezTo>
+                  <a:cubicBezTo>
+                    <a:pt x="807" y="0"/>
+                    <a:pt x="479" y="6"/>
+                    <a:pt x="0" y="59"/>
+                  </a:cubicBezTo>
+                </a:path>
+              </a:pathLst>
+            </a:custGeom>
+            <a:noFill/>
+            <a:ln w="63500" cap="flat">
+              <a:solidFill>
+                <a:schemeClr val="accent1"/>
+              </a:solidFill>
+              <a:prstDash val="solid"/>
+              <a:miter lim="800000"/>
+              <a:headEnd/>
+              <a:tailEnd/>
+            </a:ln>
+            <a:extLst>
+              <a:ext uri="{909E8E84-426E-40DD-AFC4-6F175D3DCCD1}">
+                <a14:hiddenFill xmlns:a14="http://schemas.microsoft.com/office/drawing/2010/main">
+                  <a:solidFill>
+                    <a:srgbClr val="FFFFFF"/>
+                  </a:solidFill>
+                </a14:hiddenFill>
+              </a:ext>
+            </a:extLst>
+          </p:spPr>
+          <p:txBody>
+            <a:bodyPr vert="horz" wrap="square" lIns="109728" tIns="54864" rIns="109728" bIns="54864" numCol="1" anchor="t" anchorCtr="0" compatLnSpc="1">
+              <a:prstTxWarp prst="textNoShape">
+                <a:avLst/>
+              </a:prstTxWarp>
+            </a:bodyPr>
+            <a:lstStyle/>
+            <a:p>
+              <a:endParaRPr lang="zh-CN" altLang="en-US" sz="3456"/>
+            </a:p>
+          </p:txBody>
+        </p:sp>
+        <p:sp>
+          <p:nvSpPr>
+            <p:cNvPr id="52" name="Freeform 18"/>
+            <p:cNvSpPr>
+              <a:spLocks/>
+            </p:cNvSpPr>
+            <p:nvPr/>
+          </p:nvSpPr>
+          <p:spPr bwMode="auto">
+            <a:xfrm>
+              <a:off x="6097588" y="3068638"/>
+              <a:ext cx="6091238" cy="835025"/>
+            </a:xfrm>
+            <a:custGeom>
+              <a:avLst/>
+              <a:gdLst>
+                <a:gd name="T0" fmla="*/ 0 w 1920"/>
+                <a:gd name="T1" fmla="*/ 263 h 263"/>
+                <a:gd name="T2" fmla="*/ 764 w 1920"/>
+                <a:gd name="T3" fmla="*/ 28 h 263"/>
+                <a:gd name="T4" fmla="*/ 1920 w 1920"/>
+                <a:gd name="T5" fmla="*/ 59 h 263"/>
+              </a:gdLst>
+              <a:ahLst/>
+              <a:cxnLst>
+                <a:cxn ang="0">
+                  <a:pos x="T0" y="T1"/>
+                </a:cxn>
+                <a:cxn ang="0">
+                  <a:pos x="T2" y="T3"/>
+                </a:cxn>
+                <a:cxn ang="0">
+                  <a:pos x="T4" y="T5"/>
+                </a:cxn>
+              </a:cxnLst>
+              <a:rect l="0" t="0" r="r" b="b"/>
+              <a:pathLst>
+                <a:path w="1920" h="263">
+                  <a:moveTo>
+                    <a:pt x="0" y="263"/>
+                  </a:moveTo>
+                  <a:cubicBezTo>
+                    <a:pt x="249" y="92"/>
+                    <a:pt x="462" y="53"/>
+                    <a:pt x="764" y="28"/>
+                  </a:cubicBezTo>
+                  <a:cubicBezTo>
+                    <a:pt x="1112" y="0"/>
+                    <a:pt x="1441" y="6"/>
+                    <a:pt x="1920" y="59"/>
+                  </a:cubicBezTo>
+                </a:path>
+              </a:pathLst>
+            </a:custGeom>
+            <a:noFill/>
+            <a:ln w="63500" cap="flat">
+              <a:solidFill>
+                <a:schemeClr val="accent1"/>
+              </a:solidFill>
+              <a:prstDash val="solid"/>
+              <a:miter lim="800000"/>
+              <a:headEnd/>
+              <a:tailEnd/>
+            </a:ln>
+            <a:extLst>
+              <a:ext uri="{909E8E84-426E-40DD-AFC4-6F175D3DCCD1}">
+                <a14:hiddenFill xmlns:a14="http://schemas.microsoft.com/office/drawing/2010/main">
+                  <a:solidFill>
+                    <a:srgbClr val="FFFFFF"/>
+                  </a:solidFill>
+                </a14:hiddenFill>
+              </a:ext>
+            </a:extLst>
+          </p:spPr>
+          <p:txBody>
+            <a:bodyPr vert="horz" wrap="square" lIns="109728" tIns="54864" rIns="109728" bIns="54864" numCol="1" anchor="t" anchorCtr="0" compatLnSpc="1">
+              <a:prstTxWarp prst="textNoShape">
+                <a:avLst/>
+              </a:prstTxWarp>
+            </a:bodyPr>
+            <a:lstStyle/>
+            <a:p>
+              <a:endParaRPr lang="zh-CN" altLang="en-US" sz="3456"/>
+            </a:p>
+          </p:txBody>
+        </p:sp>
+        <p:sp>
+          <p:nvSpPr>
+            <p:cNvPr id="53" name="Freeform 19"/>
+            <p:cNvSpPr>
+              <a:spLocks/>
+            </p:cNvSpPr>
+            <p:nvPr/>
+          </p:nvSpPr>
+          <p:spPr bwMode="auto">
+            <a:xfrm>
+              <a:off x="346075" y="2484438"/>
+              <a:ext cx="5751513" cy="1419225"/>
+            </a:xfrm>
+            <a:custGeom>
+              <a:avLst/>
+              <a:gdLst>
+                <a:gd name="T0" fmla="*/ 1813 w 1813"/>
+                <a:gd name="T1" fmla="*/ 447 h 447"/>
+                <a:gd name="T2" fmla="*/ 1000 w 1813"/>
+                <a:gd name="T3" fmla="*/ 42 h 447"/>
+                <a:gd name="T4" fmla="*/ 0 w 1813"/>
+                <a:gd name="T5" fmla="*/ 82 h 447"/>
+              </a:gdLst>
+              <a:ahLst/>
+              <a:cxnLst>
+                <a:cxn ang="0">
+                  <a:pos x="T0" y="T1"/>
+                </a:cxn>
+                <a:cxn ang="0">
+                  <a:pos x="T2" y="T3"/>
+                </a:cxn>
+                <a:cxn ang="0">
+                  <a:pos x="T4" y="T5"/>
+                </a:cxn>
+              </a:cxnLst>
+              <a:rect l="0" t="0" r="r" b="b"/>
+              <a:pathLst>
+                <a:path w="1813" h="447">
+                  <a:moveTo>
+                    <a:pt x="1813" y="447"/>
+                  </a:moveTo>
+                  <a:cubicBezTo>
+                    <a:pt x="1682" y="209"/>
+                    <a:pt x="1314" y="90"/>
+                    <a:pt x="1000" y="42"/>
+                  </a:cubicBezTo>
+                  <a:cubicBezTo>
+                    <a:pt x="723" y="0"/>
+                    <a:pt x="385" y="9"/>
+                    <a:pt x="0" y="82"/>
+                  </a:cubicBezTo>
+                </a:path>
+              </a:pathLst>
+            </a:custGeom>
+            <a:noFill/>
+            <a:ln w="63500" cap="flat">
+              <a:solidFill>
+                <a:schemeClr val="accent1"/>
+              </a:solidFill>
+              <a:prstDash val="solid"/>
+              <a:miter lim="800000"/>
+              <a:headEnd/>
+              <a:tailEnd/>
+            </a:ln>
+            <a:extLst>
+              <a:ext uri="{909E8E84-426E-40DD-AFC4-6F175D3DCCD1}">
+                <a14:hiddenFill xmlns:a14="http://schemas.microsoft.com/office/drawing/2010/main">
+                  <a:solidFill>
+                    <a:srgbClr val="FFFFFF"/>
+                  </a:solidFill>
+                </a14:hiddenFill>
+              </a:ext>
+            </a:extLst>
+          </p:spPr>
+          <p:txBody>
+            <a:bodyPr vert="horz" wrap="square" lIns="109728" tIns="54864" rIns="109728" bIns="54864" numCol="1" anchor="t" anchorCtr="0" compatLnSpc="1">
+              <a:prstTxWarp prst="textNoShape">
+                <a:avLst/>
+              </a:prstTxWarp>
+            </a:bodyPr>
+            <a:lstStyle/>
+            <a:p>
+              <a:endParaRPr lang="zh-CN" altLang="en-US" sz="3456"/>
+            </a:p>
+          </p:txBody>
+        </p:sp>
+        <p:sp>
+          <p:nvSpPr>
+            <p:cNvPr id="54" name="Freeform 20"/>
+            <p:cNvSpPr>
+              <a:spLocks/>
+            </p:cNvSpPr>
+            <p:nvPr/>
+          </p:nvSpPr>
+          <p:spPr bwMode="auto">
+            <a:xfrm>
+              <a:off x="765175" y="1903413"/>
+              <a:ext cx="5332413" cy="2000250"/>
+            </a:xfrm>
+            <a:custGeom>
+              <a:avLst/>
+              <a:gdLst>
+                <a:gd name="T0" fmla="*/ 1681 w 1681"/>
+                <a:gd name="T1" fmla="*/ 630 h 630"/>
+                <a:gd name="T2" fmla="*/ 891 w 1681"/>
+                <a:gd name="T3" fmla="*/ 85 h 630"/>
+                <a:gd name="T4" fmla="*/ 0 w 1681"/>
+                <a:gd name="T5" fmla="*/ 22 h 630"/>
+              </a:gdLst>
+              <a:ahLst/>
+              <a:cxnLst>
+                <a:cxn ang="0">
+                  <a:pos x="T0" y="T1"/>
+                </a:cxn>
+                <a:cxn ang="0">
+                  <a:pos x="T2" y="T3"/>
+                </a:cxn>
+                <a:cxn ang="0">
+                  <a:pos x="T4" y="T5"/>
+                </a:cxn>
+              </a:cxnLst>
+              <a:rect l="0" t="0" r="r" b="b"/>
+              <a:pathLst>
+                <a:path w="1681" h="630">
+                  <a:moveTo>
+                    <a:pt x="1681" y="630"/>
+                  </a:moveTo>
+                  <a:cubicBezTo>
+                    <a:pt x="1557" y="313"/>
+                    <a:pt x="1212" y="170"/>
+                    <a:pt x="891" y="85"/>
+                  </a:cubicBezTo>
+                  <a:cubicBezTo>
+                    <a:pt x="620" y="13"/>
+                    <a:pt x="311" y="0"/>
+                    <a:pt x="0" y="22"/>
+                  </a:cubicBezTo>
+                </a:path>
+              </a:pathLst>
+            </a:custGeom>
+            <a:noFill/>
+            <a:ln w="63500" cap="flat">
+              <a:solidFill>
+                <a:schemeClr val="accent1"/>
+              </a:solidFill>
+              <a:prstDash val="solid"/>
+              <a:miter lim="800000"/>
+              <a:headEnd/>
+              <a:tailEnd/>
+            </a:ln>
+            <a:extLst>
+              <a:ext uri="{909E8E84-426E-40DD-AFC4-6F175D3DCCD1}">
+                <a14:hiddenFill xmlns:a14="http://schemas.microsoft.com/office/drawing/2010/main">
+                  <a:solidFill>
+                    <a:srgbClr val="FFFFFF"/>
+                  </a:solidFill>
+                </a14:hiddenFill>
+              </a:ext>
+            </a:extLst>
+          </p:spPr>
+          <p:txBody>
+            <a:bodyPr vert="horz" wrap="square" lIns="109728" tIns="54864" rIns="109728" bIns="54864" numCol="1" anchor="t" anchorCtr="0" compatLnSpc="1">
+              <a:prstTxWarp prst="textNoShape">
+                <a:avLst/>
+              </a:prstTxWarp>
+            </a:bodyPr>
+            <a:lstStyle/>
+            <a:p>
+              <a:endParaRPr lang="zh-CN" altLang="en-US" sz="3456"/>
+            </a:p>
+          </p:txBody>
+        </p:sp>
+        <p:sp>
+          <p:nvSpPr>
+            <p:cNvPr id="55" name="Freeform 21"/>
+            <p:cNvSpPr>
+              <a:spLocks/>
+            </p:cNvSpPr>
+            <p:nvPr/>
+          </p:nvSpPr>
+          <p:spPr bwMode="auto">
+            <a:xfrm>
+              <a:off x="6097588" y="2878138"/>
+              <a:ext cx="6091238" cy="1025525"/>
+            </a:xfrm>
+            <a:custGeom>
+              <a:avLst/>
+              <a:gdLst>
+                <a:gd name="T0" fmla="*/ 0 w 1920"/>
+                <a:gd name="T1" fmla="*/ 323 h 323"/>
+                <a:gd name="T2" fmla="*/ 710 w 1920"/>
+                <a:gd name="T3" fmla="*/ 38 h 323"/>
+                <a:gd name="T4" fmla="*/ 1920 w 1920"/>
+                <a:gd name="T5" fmla="*/ 86 h 323"/>
+              </a:gdLst>
+              <a:ahLst/>
+              <a:cxnLst>
+                <a:cxn ang="0">
+                  <a:pos x="T0" y="T1"/>
+                </a:cxn>
+                <a:cxn ang="0">
+                  <a:pos x="T2" y="T3"/>
+                </a:cxn>
+                <a:cxn ang="0">
+                  <a:pos x="T4" y="T5"/>
+                </a:cxn>
+              </a:cxnLst>
+              <a:rect l="0" t="0" r="r" b="b"/>
+              <a:pathLst>
+                <a:path w="1920" h="323">
+                  <a:moveTo>
+                    <a:pt x="0" y="323"/>
+                  </a:moveTo>
+                  <a:cubicBezTo>
+                    <a:pt x="178" y="142"/>
+                    <a:pt x="410" y="77"/>
+                    <a:pt x="710" y="38"/>
+                  </a:cubicBezTo>
+                  <a:cubicBezTo>
+                    <a:pt x="992" y="2"/>
+                    <a:pt x="1425" y="0"/>
+                    <a:pt x="1920" y="86"/>
+                  </a:cubicBezTo>
+                </a:path>
+              </a:pathLst>
+            </a:custGeom>
+            <a:noFill/>
+            <a:ln w="63500" cap="flat">
+              <a:solidFill>
+                <a:schemeClr val="accent1"/>
+              </a:solidFill>
+              <a:prstDash val="solid"/>
+              <a:miter lim="800000"/>
+              <a:headEnd/>
+              <a:tailEnd/>
+            </a:ln>
+            <a:extLst>
+              <a:ext uri="{909E8E84-426E-40DD-AFC4-6F175D3DCCD1}">
+                <a14:hiddenFill xmlns:a14="http://schemas.microsoft.com/office/drawing/2010/main">
+                  <a:solidFill>
+                    <a:srgbClr val="FFFFFF"/>
+                  </a:solidFill>
+                </a14:hiddenFill>
+              </a:ext>
+            </a:extLst>
+          </p:spPr>
+          <p:txBody>
+            <a:bodyPr vert="horz" wrap="square" lIns="109728" tIns="54864" rIns="109728" bIns="54864" numCol="1" anchor="t" anchorCtr="0" compatLnSpc="1">
+              <a:prstTxWarp prst="textNoShape">
+                <a:avLst/>
+              </a:prstTxWarp>
+            </a:bodyPr>
+            <a:lstStyle/>
+            <a:p>
+              <a:endParaRPr lang="zh-CN" altLang="en-US" sz="3456"/>
+            </a:p>
+          </p:txBody>
+        </p:sp>
+        <p:sp>
+          <p:nvSpPr>
+            <p:cNvPr id="56" name="Freeform 22"/>
+            <p:cNvSpPr>
+              <a:spLocks/>
+            </p:cNvSpPr>
+            <p:nvPr/>
+          </p:nvSpPr>
+          <p:spPr bwMode="auto">
+            <a:xfrm>
+              <a:off x="6097588" y="2484438"/>
+              <a:ext cx="5751513" cy="1419225"/>
+            </a:xfrm>
+            <a:custGeom>
+              <a:avLst/>
+              <a:gdLst>
+                <a:gd name="T0" fmla="*/ 0 w 1813"/>
+                <a:gd name="T1" fmla="*/ 447 h 447"/>
+                <a:gd name="T2" fmla="*/ 813 w 1813"/>
+                <a:gd name="T3" fmla="*/ 42 h 447"/>
+                <a:gd name="T4" fmla="*/ 1813 w 1813"/>
+                <a:gd name="T5" fmla="*/ 82 h 447"/>
+              </a:gdLst>
+              <a:ahLst/>
+              <a:cxnLst>
+                <a:cxn ang="0">
+                  <a:pos x="T0" y="T1"/>
+                </a:cxn>
+                <a:cxn ang="0">
+                  <a:pos x="T2" y="T3"/>
+                </a:cxn>
+                <a:cxn ang="0">
+                  <a:pos x="T4" y="T5"/>
+                </a:cxn>
+              </a:cxnLst>
+              <a:rect l="0" t="0" r="r" b="b"/>
+              <a:pathLst>
+                <a:path w="1813" h="447">
+                  <a:moveTo>
+                    <a:pt x="0" y="447"/>
+                  </a:moveTo>
+                  <a:cubicBezTo>
+                    <a:pt x="130" y="209"/>
+                    <a:pt x="498" y="90"/>
+                    <a:pt x="813" y="42"/>
+                  </a:cubicBezTo>
+                  <a:cubicBezTo>
+                    <a:pt x="1090" y="0"/>
+                    <a:pt x="1428" y="9"/>
+                    <a:pt x="1813" y="82"/>
+                  </a:cubicBezTo>
+                </a:path>
+              </a:pathLst>
+            </a:custGeom>
+            <a:noFill/>
+            <a:ln w="63500" cap="flat">
+              <a:solidFill>
+                <a:schemeClr val="accent1"/>
+              </a:solidFill>
+              <a:prstDash val="solid"/>
+              <a:miter lim="800000"/>
+              <a:headEnd/>
+              <a:tailEnd/>
+            </a:ln>
+            <a:extLst>
+              <a:ext uri="{909E8E84-426E-40DD-AFC4-6F175D3DCCD1}">
+                <a14:hiddenFill xmlns:a14="http://schemas.microsoft.com/office/drawing/2010/main">
+                  <a:solidFill>
+                    <a:srgbClr val="FFFFFF"/>
+                  </a:solidFill>
+                </a14:hiddenFill>
+              </a:ext>
+            </a:extLst>
+          </p:spPr>
+          <p:txBody>
+            <a:bodyPr vert="horz" wrap="square" lIns="109728" tIns="54864" rIns="109728" bIns="54864" numCol="1" anchor="t" anchorCtr="0" compatLnSpc="1">
+              <a:prstTxWarp prst="textNoShape">
+                <a:avLst/>
+              </a:prstTxWarp>
+            </a:bodyPr>
+            <a:lstStyle/>
+            <a:p>
+              <a:endParaRPr lang="zh-CN" altLang="en-US" sz="3456"/>
+            </a:p>
+          </p:txBody>
+        </p:sp>
+        <p:sp>
+          <p:nvSpPr>
+            <p:cNvPr id="57" name="Freeform 23"/>
+            <p:cNvSpPr>
+              <a:spLocks/>
+            </p:cNvSpPr>
+            <p:nvPr/>
+          </p:nvSpPr>
+          <p:spPr bwMode="auto">
+            <a:xfrm>
+              <a:off x="6097588" y="1903413"/>
+              <a:ext cx="5332413" cy="2000250"/>
+            </a:xfrm>
+            <a:custGeom>
+              <a:avLst/>
+              <a:gdLst>
+                <a:gd name="T0" fmla="*/ 0 w 1681"/>
+                <a:gd name="T1" fmla="*/ 630 h 630"/>
+                <a:gd name="T2" fmla="*/ 790 w 1681"/>
+                <a:gd name="T3" fmla="*/ 85 h 630"/>
+                <a:gd name="T4" fmla="*/ 1681 w 1681"/>
+                <a:gd name="T5" fmla="*/ 22 h 630"/>
+              </a:gdLst>
+              <a:ahLst/>
+              <a:cxnLst>
+                <a:cxn ang="0">
+                  <a:pos x="T0" y="T1"/>
+                </a:cxn>
+                <a:cxn ang="0">
+                  <a:pos x="T2" y="T3"/>
+                </a:cxn>
+                <a:cxn ang="0">
+                  <a:pos x="T4" y="T5"/>
+                </a:cxn>
+              </a:cxnLst>
+              <a:rect l="0" t="0" r="r" b="b"/>
+              <a:pathLst>
+                <a:path w="1681" h="630">
+                  <a:moveTo>
+                    <a:pt x="0" y="630"/>
+                  </a:moveTo>
+                  <a:cubicBezTo>
+                    <a:pt x="124" y="313"/>
+                    <a:pt x="469" y="170"/>
+                    <a:pt x="790" y="85"/>
+                  </a:cubicBezTo>
+                  <a:cubicBezTo>
+                    <a:pt x="1060" y="13"/>
+                    <a:pt x="1369" y="0"/>
+                    <a:pt x="1681" y="22"/>
+                  </a:cubicBezTo>
+                </a:path>
+              </a:pathLst>
+            </a:custGeom>
+            <a:noFill/>
+            <a:ln w="63500" cap="flat">
+              <a:solidFill>
+                <a:schemeClr val="accent1"/>
+              </a:solidFill>
+              <a:prstDash val="solid"/>
+              <a:miter lim="800000"/>
+              <a:headEnd/>
+              <a:tailEnd/>
+            </a:ln>
+            <a:extLst>
+              <a:ext uri="{909E8E84-426E-40DD-AFC4-6F175D3DCCD1}">
+                <a14:hiddenFill xmlns:a14="http://schemas.microsoft.com/office/drawing/2010/main">
+                  <a:solidFill>
+                    <a:srgbClr val="FFFFFF"/>
+                  </a:solidFill>
+                </a14:hiddenFill>
+              </a:ext>
+            </a:extLst>
+          </p:spPr>
+          <p:txBody>
+            <a:bodyPr vert="horz" wrap="square" lIns="109728" tIns="54864" rIns="109728" bIns="54864" numCol="1" anchor="t" anchorCtr="0" compatLnSpc="1">
+              <a:prstTxWarp prst="textNoShape">
+                <a:avLst/>
+              </a:prstTxWarp>
+            </a:bodyPr>
+            <a:lstStyle/>
+            <a:p>
+              <a:endParaRPr lang="zh-CN" altLang="en-US" sz="3456"/>
+            </a:p>
+          </p:txBody>
+        </p:sp>
+      </p:grpSp>
+      <p:sp>
+        <p:nvSpPr>
+          <p:cNvPr id="3" name="【公众号：阿拉丁PPT】_4"/>
+          <p:cNvSpPr>
+            <a:spLocks noChangeArrowheads="1"/>
+          </p:cNvSpPr>
+          <p:nvPr/>
+        </p:nvSpPr>
+        <p:spPr bwMode="gray">
+          <a:xfrm flipH="1">
+            <a:off x="4428185" y="4090303"/>
+            <a:ext cx="5854066" cy="727826"/>
+          </a:xfrm>
+          <a:prstGeom prst="roundRect">
+            <a:avLst>
+              <a:gd name="adj" fmla="val 50000"/>
+            </a:avLst>
+          </a:prstGeom>
+          <a:solidFill>
+            <a:schemeClr val="accent4"/>
+          </a:solidFill>
+          <a:ln w="28575" algn="ctr">
+            <a:noFill/>
+            <a:round/>
+            <a:headEnd/>
+            <a:tailEnd/>
+          </a:ln>
+          <a:effectLst/>
+        </p:spPr>
+        <p:txBody>
+          <a:bodyPr wrap="none" lIns="345600" anchor="ctr"/>
+          <a:lstStyle/>
+          <a:p>
+            <a:pPr marL="1080000">
+              <a:lnSpc>
+                <a:spcPct val="90000"/>
+              </a:lnSpc>
+              <a:buClr>
+                <a:schemeClr val="bg2"/>
+              </a:buClr>
+              <a:buSzPct val="70000"/>
+            </a:pPr>
+            <a:r>
+              <a:rPr lang="zh-CN" altLang="en-US" sz="2640" b="1" dirty="0">
+                <a:solidFill>
+                  <a:schemeClr val="bg1"/>
+                </a:solidFill>
+                <a:latin typeface="微软雅黑" panose="020B0503020204020204" pitchFamily="34" charset="-122"/>
+                <a:ea typeface="微软雅黑" panose="020B0503020204020204" pitchFamily="34" charset="-122"/>
+              </a:rPr>
+              <a:t>目标和计划</a:t>
+            </a:r>
+            <a:endParaRPr lang="en-US" altLang="zh-CN" sz="2640" b="1" dirty="0">
+              <a:solidFill>
+                <a:schemeClr val="bg1"/>
+              </a:solidFill>
+              <a:latin typeface="微软雅黑" panose="020B0503020204020204" pitchFamily="34" charset="-122"/>
+              <a:ea typeface="微软雅黑" panose="020B0503020204020204" pitchFamily="34" charset="-122"/>
+            </a:endParaRPr>
+          </a:p>
+        </p:txBody>
+      </p:sp>
+      <p:sp>
+        <p:nvSpPr>
+          <p:cNvPr id="4" name="【公众号：阿拉丁PPT】_5"/>
+          <p:cNvSpPr>
+            <a:spLocks noChangeArrowheads="1"/>
+          </p:cNvSpPr>
+          <p:nvPr/>
+        </p:nvSpPr>
+        <p:spPr bwMode="gray">
+          <a:xfrm flipH="1">
+            <a:off x="4398763" y="3252164"/>
+            <a:ext cx="5854066" cy="727826"/>
+          </a:xfrm>
+          <a:prstGeom prst="roundRect">
+            <a:avLst>
+              <a:gd name="adj" fmla="val 50000"/>
+            </a:avLst>
+          </a:prstGeom>
+          <a:solidFill>
+            <a:schemeClr val="accent1"/>
+          </a:solidFill>
+          <a:ln w="28575" algn="ctr">
+            <a:noFill/>
+            <a:round/>
+            <a:headEnd/>
+            <a:tailEnd/>
+          </a:ln>
+          <a:effectLst/>
+        </p:spPr>
+        <p:txBody>
+          <a:bodyPr wrap="none" lIns="345600" anchor="ctr"/>
+          <a:lstStyle/>
+          <a:p>
+            <a:pPr marL="1080000">
+              <a:lnSpc>
+                <a:spcPct val="90000"/>
+              </a:lnSpc>
+              <a:buClr>
+                <a:schemeClr val="bg2"/>
+              </a:buClr>
+              <a:buSzPct val="70000"/>
+            </a:pPr>
+            <a:r>
+              <a:rPr lang="zh-CN" altLang="en-US" sz="2640" b="1" dirty="0">
+                <a:solidFill>
+                  <a:schemeClr val="bg1"/>
+                </a:solidFill>
+                <a:latin typeface="微软雅黑" panose="020B0503020204020204" pitchFamily="34" charset="-122"/>
+                <a:ea typeface="微软雅黑" panose="020B0503020204020204" pitchFamily="34" charset="-122"/>
+              </a:rPr>
+              <a:t>实习期间个人成长</a:t>
+            </a:r>
+            <a:endParaRPr lang="en-US" altLang="zh-CN" sz="2640" b="1" dirty="0">
+              <a:solidFill>
+                <a:schemeClr val="bg1"/>
+              </a:solidFill>
+              <a:latin typeface="微软雅黑" panose="020B0503020204020204" pitchFamily="34" charset="-122"/>
+              <a:ea typeface="微软雅黑" panose="020B0503020204020204" pitchFamily="34" charset="-122"/>
+            </a:endParaRPr>
+          </a:p>
+        </p:txBody>
+      </p:sp>
+      <p:sp>
+        <p:nvSpPr>
+          <p:cNvPr id="5" name="【公众号：阿拉丁PPT】_6"/>
+          <p:cNvSpPr>
+            <a:spLocks noChangeArrowheads="1"/>
+          </p:cNvSpPr>
+          <p:nvPr/>
+        </p:nvSpPr>
+        <p:spPr bwMode="gray">
+          <a:xfrm flipH="1">
+            <a:off x="4398763" y="2433943"/>
+            <a:ext cx="5854066" cy="727826"/>
+          </a:xfrm>
+          <a:prstGeom prst="roundRect">
+            <a:avLst>
+              <a:gd name="adj" fmla="val 50000"/>
+            </a:avLst>
+          </a:prstGeom>
+          <a:solidFill>
+            <a:schemeClr val="accent4"/>
+          </a:solidFill>
+          <a:ln w="28575" algn="ctr">
+            <a:noFill/>
+            <a:round/>
+            <a:headEnd/>
+            <a:tailEnd/>
+          </a:ln>
+          <a:effectLst/>
+        </p:spPr>
+        <p:txBody>
+          <a:bodyPr wrap="none" lIns="345600" anchor="ctr"/>
+          <a:lstStyle/>
+          <a:p>
+            <a:pPr marL="1080000">
+              <a:lnSpc>
+                <a:spcPct val="90000"/>
+              </a:lnSpc>
+              <a:buClr>
+                <a:schemeClr val="bg2"/>
+              </a:buClr>
+              <a:buSzPct val="70000"/>
+            </a:pPr>
+            <a:r>
+              <a:rPr lang="zh-CN" altLang="en-US" sz="2640" b="1" dirty="0">
+                <a:solidFill>
+                  <a:schemeClr val="bg1"/>
+                </a:solidFill>
+                <a:latin typeface="微软雅黑" panose="020B0503020204020204" pitchFamily="34" charset="-122"/>
+                <a:ea typeface="微软雅黑" panose="020B0503020204020204" pitchFamily="34" charset="-122"/>
+              </a:rPr>
+              <a:t>实习工作总结</a:t>
+            </a:r>
+            <a:endParaRPr lang="en-US" altLang="zh-CN" sz="2640" b="1" dirty="0">
+              <a:solidFill>
+                <a:schemeClr val="bg1"/>
+              </a:solidFill>
+              <a:latin typeface="微软雅黑" panose="020B0503020204020204" pitchFamily="34" charset="-122"/>
+              <a:ea typeface="微软雅黑" panose="020B0503020204020204" pitchFamily="34" charset="-122"/>
+            </a:endParaRPr>
+          </a:p>
+        </p:txBody>
+      </p:sp>
+      <p:sp>
+        <p:nvSpPr>
+          <p:cNvPr id="6" name="【公众号：阿拉丁PPT】_7"/>
+          <p:cNvSpPr>
+            <a:spLocks noChangeArrowheads="1"/>
+          </p:cNvSpPr>
+          <p:nvPr/>
+        </p:nvSpPr>
+        <p:spPr bwMode="gray">
+          <a:xfrm flipH="1">
+            <a:off x="4398763" y="1612299"/>
+            <a:ext cx="5854066" cy="750569"/>
+          </a:xfrm>
+          <a:prstGeom prst="roundRect">
+            <a:avLst>
+              <a:gd name="adj" fmla="val 50000"/>
+            </a:avLst>
+          </a:prstGeom>
+          <a:solidFill>
+            <a:schemeClr val="accent1"/>
+          </a:solidFill>
+          <a:ln w="28575" algn="ctr">
+            <a:noFill/>
+            <a:round/>
+            <a:headEnd/>
+            <a:tailEnd/>
+          </a:ln>
+          <a:effectLst/>
+        </p:spPr>
+        <p:txBody>
+          <a:bodyPr wrap="none" lIns="345600" anchor="ctr"/>
+          <a:lstStyle/>
+          <a:p>
+            <a:pPr marL="1080000">
+              <a:lnSpc>
+                <a:spcPct val="90000"/>
+              </a:lnSpc>
+              <a:buClr>
+                <a:schemeClr val="bg2"/>
+              </a:buClr>
+              <a:buSzPct val="70000"/>
+              <a:defRPr/>
+            </a:pPr>
+            <a:r>
+              <a:rPr lang="zh-CN" altLang="en-US" sz="2640" b="1" dirty="0">
+                <a:solidFill>
+                  <a:schemeClr val="bg1"/>
+                </a:solidFill>
+                <a:latin typeface="微软雅黑" panose="020B0503020204020204" pitchFamily="34" charset="-122"/>
+                <a:ea typeface="微软雅黑" panose="020B0503020204020204" pitchFamily="34" charset="-122"/>
+              </a:rPr>
+              <a:t>个人简介</a:t>
+            </a:r>
+            <a:endParaRPr lang="en-US" altLang="zh-CN" sz="2640" b="1" dirty="0">
+              <a:solidFill>
+                <a:schemeClr val="bg1"/>
+              </a:solidFill>
+              <a:latin typeface="微软雅黑" panose="020B0503020204020204" pitchFamily="34" charset="-122"/>
+              <a:ea typeface="微软雅黑" panose="020B0503020204020204" pitchFamily="34" charset="-122"/>
+            </a:endParaRPr>
+          </a:p>
+        </p:txBody>
+      </p:sp>
+      <p:sp>
+        <p:nvSpPr>
+          <p:cNvPr id="12" name="【公众号：阿拉丁PPT】_9"/>
+          <p:cNvSpPr/>
+          <p:nvPr/>
+        </p:nvSpPr>
+        <p:spPr>
+          <a:xfrm>
+            <a:off x="4507433" y="1717592"/>
+            <a:ext cx="539983" cy="539983"/>
+          </a:xfrm>
+          <a:prstGeom prst="ellipse">
+            <a:avLst/>
+          </a:prstGeom>
+          <a:solidFill>
+            <a:schemeClr val="bg1"/>
+          </a:solidFill>
+          <a:ln w="76200">
+            <a:noFill/>
+          </a:ln>
+          <a:effectLst/>
+        </p:spPr>
+        <p:style>
+          <a:lnRef idx="2">
+            <a:schemeClr val="accent1">
+              <a:shade val="50000"/>
+            </a:schemeClr>
+          </a:lnRef>
+          <a:fillRef idx="1">
+            <a:schemeClr val="accent1"/>
+          </a:fillRef>
+          <a:effectRef idx="0">
+            <a:schemeClr val="accent1"/>
+          </a:effectRef>
+          <a:fontRef idx="minor">
+            <a:schemeClr val="lt1"/>
+          </a:fontRef>
+        </p:style>
+        <p:txBody>
+          <a:bodyPr rtlCol="0" anchor="ctr"/>
+          <a:lstStyle/>
+          <a:p>
+            <a:pPr algn="ctr"/>
+            <a:r>
+              <a:rPr lang="en-US" altLang="zh-CN" sz="2640" b="1" dirty="0">
+                <a:solidFill>
+                  <a:schemeClr val="accent2"/>
+                </a:solidFill>
+                <a:latin typeface="Agency FB" panose="020B0503020202020204" pitchFamily="34" charset="0"/>
+              </a:rPr>
+              <a:t>1</a:t>
+            </a:r>
+            <a:endParaRPr lang="zh-CN" altLang="en-US" sz="2640" b="1" dirty="0">
+              <a:solidFill>
+                <a:schemeClr val="accent2"/>
+              </a:solidFill>
+              <a:latin typeface="Agency FB" panose="020B0503020202020204" pitchFamily="34" charset="0"/>
+            </a:endParaRPr>
+          </a:p>
+        </p:txBody>
+      </p:sp>
+      <p:sp>
+        <p:nvSpPr>
+          <p:cNvPr id="20" name="【公众号：阿拉丁PPT】_10"/>
+          <p:cNvSpPr/>
+          <p:nvPr/>
+        </p:nvSpPr>
+        <p:spPr>
+          <a:xfrm>
+            <a:off x="4507433" y="2577517"/>
+            <a:ext cx="539983" cy="539983"/>
+          </a:xfrm>
+          <a:prstGeom prst="ellipse">
+            <a:avLst/>
+          </a:prstGeom>
+          <a:solidFill>
+            <a:schemeClr val="bg1"/>
+          </a:solidFill>
+          <a:ln w="76200">
+            <a:noFill/>
+          </a:ln>
+          <a:effectLst/>
+        </p:spPr>
+        <p:style>
+          <a:lnRef idx="2">
+            <a:schemeClr val="accent1">
+              <a:shade val="50000"/>
+            </a:schemeClr>
+          </a:lnRef>
+          <a:fillRef idx="1">
+            <a:schemeClr val="accent1"/>
+          </a:fillRef>
+          <a:effectRef idx="0">
+            <a:schemeClr val="accent1"/>
+          </a:effectRef>
+          <a:fontRef idx="minor">
+            <a:schemeClr val="lt1"/>
+          </a:fontRef>
+        </p:style>
+        <p:txBody>
+          <a:bodyPr rtlCol="0" anchor="ctr"/>
+          <a:lstStyle/>
+          <a:p>
+            <a:pPr algn="ctr"/>
+            <a:r>
+              <a:rPr lang="en-US" altLang="zh-CN" sz="2640" b="1" dirty="0">
+                <a:solidFill>
+                  <a:schemeClr val="accent1"/>
+                </a:solidFill>
+                <a:latin typeface="Agency FB" panose="020B0503020202020204" pitchFamily="34" charset="0"/>
+              </a:rPr>
+              <a:t>2</a:t>
+            </a:r>
+            <a:endParaRPr lang="zh-CN" altLang="en-US" sz="2640" b="1" dirty="0">
+              <a:solidFill>
+                <a:schemeClr val="accent1"/>
+              </a:solidFill>
+              <a:latin typeface="Agency FB" panose="020B0503020202020204" pitchFamily="34" charset="0"/>
+            </a:endParaRPr>
+          </a:p>
+        </p:txBody>
+      </p:sp>
+      <p:sp>
+        <p:nvSpPr>
+          <p:cNvPr id="23" name="【公众号：阿拉丁PPT】_11"/>
+          <p:cNvSpPr/>
+          <p:nvPr/>
+        </p:nvSpPr>
+        <p:spPr>
+          <a:xfrm>
+            <a:off x="4507433" y="3373092"/>
+            <a:ext cx="539983" cy="539983"/>
+          </a:xfrm>
+          <a:prstGeom prst="ellipse">
+            <a:avLst/>
+          </a:prstGeom>
+          <a:solidFill>
+            <a:schemeClr val="bg1"/>
+          </a:solidFill>
+          <a:ln w="76200">
+            <a:noFill/>
+          </a:ln>
+          <a:effectLst/>
+        </p:spPr>
+        <p:style>
+          <a:lnRef idx="2">
+            <a:schemeClr val="accent1">
+              <a:shade val="50000"/>
+            </a:schemeClr>
+          </a:lnRef>
+          <a:fillRef idx="1">
+            <a:schemeClr val="accent1"/>
+          </a:fillRef>
+          <a:effectRef idx="0">
+            <a:schemeClr val="accent1"/>
+          </a:effectRef>
+          <a:fontRef idx="minor">
+            <a:schemeClr val="lt1"/>
+          </a:fontRef>
+        </p:style>
+        <p:txBody>
+          <a:bodyPr rtlCol="0" anchor="ctr"/>
+          <a:lstStyle/>
+          <a:p>
+            <a:pPr algn="ctr"/>
+            <a:r>
+              <a:rPr lang="en-US" altLang="zh-CN" sz="2640" b="1" dirty="0">
+                <a:solidFill>
+                  <a:schemeClr val="accent2"/>
+                </a:solidFill>
+                <a:latin typeface="Agency FB" panose="020B0503020202020204" pitchFamily="34" charset="0"/>
+              </a:rPr>
+              <a:t>3</a:t>
+            </a:r>
+            <a:endParaRPr lang="zh-CN" altLang="en-US" sz="2640" b="1" dirty="0">
+              <a:solidFill>
+                <a:schemeClr val="accent2"/>
+              </a:solidFill>
+              <a:latin typeface="Agency FB" panose="020B0503020202020204" pitchFamily="34" charset="0"/>
+            </a:endParaRPr>
+          </a:p>
+        </p:txBody>
+      </p:sp>
+      <p:sp>
+        <p:nvSpPr>
+          <p:cNvPr id="24" name="【公众号：阿拉丁PPT】_12"/>
+          <p:cNvSpPr/>
+          <p:nvPr/>
+        </p:nvSpPr>
+        <p:spPr>
+          <a:xfrm>
+            <a:off x="4507433" y="4190144"/>
+            <a:ext cx="539983" cy="539983"/>
+          </a:xfrm>
+          <a:prstGeom prst="ellipse">
+            <a:avLst/>
+          </a:prstGeom>
+          <a:solidFill>
+            <a:schemeClr val="bg1"/>
+          </a:solidFill>
+          <a:ln w="76200">
+            <a:noFill/>
+          </a:ln>
+          <a:effectLst/>
+        </p:spPr>
+        <p:style>
+          <a:lnRef idx="2">
+            <a:schemeClr val="accent1">
+              <a:shade val="50000"/>
+            </a:schemeClr>
+          </a:lnRef>
+          <a:fillRef idx="1">
+            <a:schemeClr val="accent1"/>
+          </a:fillRef>
+          <a:effectRef idx="0">
+            <a:schemeClr val="accent1"/>
+          </a:effectRef>
+          <a:fontRef idx="minor">
+            <a:schemeClr val="lt1"/>
+          </a:fontRef>
+        </p:style>
+        <p:txBody>
+          <a:bodyPr rtlCol="0" anchor="ctr"/>
+          <a:lstStyle/>
+          <a:p>
+            <a:pPr algn="ctr"/>
+            <a:r>
+              <a:rPr lang="en-US" altLang="zh-CN" sz="2640" b="1" dirty="0">
+                <a:solidFill>
+                  <a:schemeClr val="accent1"/>
+                </a:solidFill>
+                <a:latin typeface="Agency FB" panose="020B0503020202020204" pitchFamily="34" charset="0"/>
+              </a:rPr>
+              <a:t>4</a:t>
+            </a:r>
+            <a:endParaRPr lang="zh-CN" altLang="en-US" sz="2640" b="1" dirty="0">
+              <a:solidFill>
+                <a:schemeClr val="accent1"/>
+              </a:solidFill>
+              <a:latin typeface="Agency FB" panose="020B0503020202020204" pitchFamily="34" charset="0"/>
+            </a:endParaRPr>
+          </a:p>
+        </p:txBody>
+      </p:sp>
+      <p:sp>
+        <p:nvSpPr>
+          <p:cNvPr id="26" name="Title 1">
+            <a:extLst>
+              <a:ext uri="{FF2B5EF4-FFF2-40B4-BE49-F238E27FC236}">
+                <a16:creationId xmlns:a16="http://schemas.microsoft.com/office/drawing/2014/main" id="{9C47FCC2-C139-478C-9060-141988730E6D}"/>
+              </a:ext>
+            </a:extLst>
+          </p:cNvPr>
+          <p:cNvSpPr txBox="1">
+            <a:spLocks/>
+          </p:cNvSpPr>
+          <p:nvPr/>
+        </p:nvSpPr>
+        <p:spPr>
+          <a:xfrm>
+            <a:off x="696396" y="491195"/>
+            <a:ext cx="13258800" cy="1417635"/>
+          </a:xfrm>
+          <a:prstGeom prst="rect">
+            <a:avLst/>
+          </a:prstGeom>
+        </p:spPr>
+        <p:txBody>
+          <a:bodyPr/>
+          <a:lstStyle>
+            <a:lvl1pPr algn="l" defTabSz="1463040" rtl="0" eaLnBrk="1" latinLnBrk="0" hangingPunct="1">
+              <a:lnSpc>
+                <a:spcPct val="85000"/>
+              </a:lnSpc>
+              <a:spcBef>
+                <a:spcPct val="0"/>
+              </a:spcBef>
+              <a:buNone/>
+              <a:defRPr sz="3600" b="1" kern="1200">
+                <a:solidFill>
+                  <a:schemeClr val="accent1"/>
+                </a:solidFill>
+                <a:latin typeface="+mj-lt"/>
+                <a:ea typeface="+mj-ea"/>
+                <a:cs typeface="+mj-cs"/>
+              </a:defRPr>
+            </a:lvl1pPr>
+          </a:lstStyle>
+          <a:p>
+            <a:r>
+              <a:rPr lang="zh-CN" altLang="en-US" dirty="0">
+                <a:latin typeface="Microsoft YaHei" panose="020B0503020204020204" pitchFamily="34" charset="-122"/>
+                <a:ea typeface="Microsoft YaHei" panose="020B0503020204020204" pitchFamily="34" charset="-122"/>
+              </a:rPr>
+              <a:t>目录</a:t>
+            </a:r>
+            <a:endParaRPr lang="en-US" dirty="0">
+              <a:latin typeface="Microsoft YaHei" panose="020B0503020204020204" pitchFamily="34" charset="-122"/>
+              <a:ea typeface="Microsoft YaHei" panose="020B0503020204020204" pitchFamily="34" charset="-122"/>
+            </a:endParaRPr>
+          </a:p>
+        </p:txBody>
+      </p:sp>
+    </p:spTree>
+    <p:extLst>
+      <p:ext uri="{BB962C8B-B14F-4D97-AF65-F5344CB8AC3E}">
+        <p14:creationId xmlns:p14="http://schemas.microsoft.com/office/powerpoint/2010/main" val="2581320720"/>
+      </p:ext>
+    </p:extLst>
+  </p:cSld>
+  <p:clrMapOvr>
+    <a:masterClrMapping/>
+  </p:clrMapOvr>
+  <mc:AlternateContent xmlns:mc="http://schemas.openxmlformats.org/markup-compatibility/2006" xmlns:p14="http://schemas.microsoft.com/office/powerpoint/2010/main">
+    <mc:Choice Requires="p14">
+      <p:transition p14:dur="0" advClick="0" advTm="0"/>
+    </mc:Choice>
+    <mc:Fallback xmlns="">
+      <p:transition advClick="0" advTm="0"/>
+    </mc:Fallback>
+  </mc:AlternateContent>
+</p:sld>
+</file>
+
+<file path=ppt/slides/slide4.xml><?xml version="1.0" encoding="utf-8"?>
+<p:sld xmlns:a="http://schemas.openxmlformats.org/drawingml/2006/main" xmlns:r="http://schemas.openxmlformats.org/officeDocument/2006/relationships" xmlns:p="http://schemas.openxmlformats.org/presentationml/2006/main">
+  <p:cSld>
+    <p:spTree>
+      <p:nvGrpSpPr>
+        <p:cNvPr id="1" name=""/>
+        <p:cNvGrpSpPr/>
+        <p:nvPr/>
+      </p:nvGrpSpPr>
+      <p:grpSpPr>
+        <a:xfrm>
+          <a:off x="0" y="0"/>
+          <a:ext cx="0" cy="0"/>
+          <a:chOff x="0" y="0"/>
+          <a:chExt cx="0" cy="0"/>
+        </a:xfrm>
+      </p:grpSpPr>
       <p:sp>
         <p:nvSpPr>
           <p:cNvPr id="2" name="Title 1">
@@ -21756,7 +23546,7 @@
 </p:sld>
 </file>
 
-<file path=ppt/slides/slide4.xml><?xml version="1.0" encoding="utf-8"?>
+<file path=ppt/slides/slide5.xml><?xml version="1.0" encoding="utf-8"?>
 <p:sld xmlns:a="http://schemas.openxmlformats.org/drawingml/2006/main" xmlns:r="http://schemas.openxmlformats.org/officeDocument/2006/relationships" xmlns:p="http://schemas.openxmlformats.org/presentationml/2006/main">
   <p:cSld>
     <p:spTree>
@@ -22160,7 +23950,7 @@
 </p:sld>
 </file>
 
-<file path=ppt/slides/slide5.xml><?xml version="1.0" encoding="utf-8"?>
+<file path=ppt/slides/slide6.xml><?xml version="1.0" encoding="utf-8"?>
 <p:sld xmlns:a="http://schemas.openxmlformats.org/drawingml/2006/main" xmlns:r="http://schemas.openxmlformats.org/officeDocument/2006/relationships" xmlns:p="http://schemas.openxmlformats.org/presentationml/2006/main">
   <p:cSld>
     <p:spTree>
@@ -22516,7 +24306,7 @@
 </p:sld>
 </file>
 
-<file path=ppt/slides/slide6.xml><?xml version="1.0" encoding="utf-8"?>
+<file path=ppt/slides/slide7.xml><?xml version="1.0" encoding="utf-8"?>
 <p:sld xmlns:a="http://schemas.openxmlformats.org/drawingml/2006/main" xmlns:r="http://schemas.openxmlformats.org/officeDocument/2006/relationships" xmlns:p="http://schemas.openxmlformats.org/presentationml/2006/main">
   <p:cSld>
     <p:spTree>
@@ -22972,7 +24762,7 @@
 </p:sld>
 </file>
 
-<file path=ppt/slides/slide7.xml><?xml version="1.0" encoding="utf-8"?>
+<file path=ppt/slides/slide8.xml><?xml version="1.0" encoding="utf-8"?>
 <p:sld xmlns:a="http://schemas.openxmlformats.org/drawingml/2006/main" xmlns:r="http://schemas.openxmlformats.org/officeDocument/2006/relationships" xmlns:p="http://schemas.openxmlformats.org/presentationml/2006/main">
   <p:cSld>
     <p:spTree>
@@ -23384,7 +25174,7 @@
 </p:sld>
 </file>
 
-<file path=ppt/slides/slide8.xml><?xml version="1.0" encoding="utf-8"?>
+<file path=ppt/slides/slide9.xml><?xml version="1.0" encoding="utf-8"?>
 <p:sld xmlns:a="http://schemas.openxmlformats.org/drawingml/2006/main" xmlns:r="http://schemas.openxmlformats.org/officeDocument/2006/relationships" xmlns:p="http://schemas.openxmlformats.org/presentationml/2006/main">
   <p:cSld>
     <p:spTree>
@@ -23765,394 +25555,6 @@
     <p:extLst>
       <p:ext uri="{BB962C8B-B14F-4D97-AF65-F5344CB8AC3E}">
         <p14:creationId xmlns:p14="http://schemas.microsoft.com/office/powerpoint/2010/main" val="274187543"/>
-      </p:ext>
-    </p:extLst>
-  </p:cSld>
-  <p:clrMapOvr>
-    <a:masterClrMapping/>
-  </p:clrMapOvr>
-  <mc:AlternateContent xmlns:mc="http://schemas.openxmlformats.org/markup-compatibility/2006" xmlns:p14="http://schemas.microsoft.com/office/powerpoint/2010/main">
-    <mc:Choice Requires="p14">
-      <p:transition spd="med" p14:dur="700">
-        <p:fade/>
-      </p:transition>
-    </mc:Choice>
-    <mc:Fallback xmlns="">
-      <p:transition spd="med">
-        <p:fade/>
-      </p:transition>
-    </mc:Fallback>
-  </mc:AlternateContent>
-</p:sld>
-</file>
-
-<file path=ppt/slides/slide9.xml><?xml version="1.0" encoding="utf-8"?>
-<p:sld xmlns:a="http://schemas.openxmlformats.org/drawingml/2006/main" xmlns:r="http://schemas.openxmlformats.org/officeDocument/2006/relationships" xmlns:p="http://schemas.openxmlformats.org/presentationml/2006/main">
-  <p:cSld>
-    <p:spTree>
-      <p:nvGrpSpPr>
-        <p:cNvPr id="1" name=""/>
-        <p:cNvGrpSpPr/>
-        <p:nvPr/>
-      </p:nvGrpSpPr>
-      <p:grpSpPr>
-        <a:xfrm>
-          <a:off x="0" y="0"/>
-          <a:ext cx="0" cy="0"/>
-          <a:chOff x="0" y="0"/>
-          <a:chExt cx="0" cy="0"/>
-        </a:xfrm>
-      </p:grpSpPr>
-      <p:sp>
-        <p:nvSpPr>
-          <p:cNvPr id="2" name="Title 1">
-            <a:extLst>
-              <a:ext uri="{FF2B5EF4-FFF2-40B4-BE49-F238E27FC236}">
-                <a16:creationId xmlns:a16="http://schemas.microsoft.com/office/drawing/2014/main" id="{AF5845F6-4764-451F-B1E8-0A765B6C77B3}"/>
-              </a:ext>
-            </a:extLst>
-          </p:cNvPr>
-          <p:cNvSpPr>
-            <a:spLocks noGrp="1"/>
-          </p:cNvSpPr>
-          <p:nvPr>
-            <p:ph type="title"/>
-          </p:nvPr>
-        </p:nvSpPr>
-        <p:spPr/>
-        <p:txBody>
-          <a:bodyPr/>
-          <a:lstStyle/>
-          <a:p>
-            <a:r>
-              <a:rPr lang="zh-CN" altLang="en-US" dirty="0">
-                <a:latin typeface="Microsoft YaHei" panose="020B0503020204020204" pitchFamily="34" charset="-122"/>
-                <a:ea typeface="Microsoft YaHei" panose="020B0503020204020204" pitchFamily="34" charset="-122"/>
-              </a:rPr>
-              <a:t>实习工作总结</a:t>
-            </a:r>
-            <a:endParaRPr lang="en-US" dirty="0">
-              <a:latin typeface="Microsoft YaHei" panose="020B0503020204020204" pitchFamily="34" charset="-122"/>
-              <a:ea typeface="Microsoft YaHei" panose="020B0503020204020204" pitchFamily="34" charset="-122"/>
-            </a:endParaRPr>
-          </a:p>
-        </p:txBody>
-      </p:sp>
-      <p:sp>
-        <p:nvSpPr>
-          <p:cNvPr id="5" name="文本框 4">
-            <a:extLst>
-              <a:ext uri="{FF2B5EF4-FFF2-40B4-BE49-F238E27FC236}">
-                <a16:creationId xmlns:a16="http://schemas.microsoft.com/office/drawing/2014/main" id="{1FCCDA43-CFB1-4D36-87AC-9D0967782FAB}"/>
-              </a:ext>
-            </a:extLst>
-          </p:cNvPr>
-          <p:cNvSpPr txBox="1"/>
-          <p:nvPr/>
-        </p:nvSpPr>
-        <p:spPr>
-          <a:xfrm>
-            <a:off x="1197164" y="2359682"/>
-            <a:ext cx="11546958" cy="841236"/>
-          </a:xfrm>
-          <a:prstGeom prst="rect">
-            <a:avLst/>
-          </a:prstGeom>
-          <a:noFill/>
-        </p:spPr>
-        <p:txBody>
-          <a:bodyPr wrap="square" lIns="121899" tIns="60950" rIns="121899" bIns="60950" rtlCol="0">
-            <a:spAutoFit/>
-          </a:bodyPr>
-          <a:lstStyle/>
-          <a:p>
-            <a:pPr marL="342900" indent="-342900">
-              <a:spcAft>
-                <a:spcPts val="800"/>
-              </a:spcAft>
-              <a:buFont typeface="Arial" panose="020B0604020202020204" pitchFamily="34" charset="0"/>
-              <a:buChar char="•"/>
-            </a:pPr>
-            <a:endParaRPr lang="en-US" altLang="zh-CN" sz="2000" b="1" dirty="0">
-              <a:latin typeface="Arial" panose="020B0604020202020204" pitchFamily="34" charset="0"/>
-              <a:cs typeface="Arial" panose="020B0604020202020204" pitchFamily="34" charset="0"/>
-            </a:endParaRPr>
-          </a:p>
-          <a:p>
-            <a:pPr>
-              <a:spcAft>
-                <a:spcPts val="800"/>
-              </a:spcAft>
-            </a:pPr>
-            <a:endParaRPr lang="zh-CN" altLang="en-US" sz="2000" b="1" dirty="0">
-              <a:latin typeface="Arial" panose="020B0604020202020204" pitchFamily="34" charset="0"/>
-              <a:cs typeface="Arial" panose="020B0604020202020204" pitchFamily="34" charset="0"/>
-            </a:endParaRPr>
-          </a:p>
-        </p:txBody>
-      </p:sp>
-      <p:sp>
-        <p:nvSpPr>
-          <p:cNvPr id="6" name="文本框 5">
-            <a:extLst>
-              <a:ext uri="{FF2B5EF4-FFF2-40B4-BE49-F238E27FC236}">
-                <a16:creationId xmlns:a16="http://schemas.microsoft.com/office/drawing/2014/main" id="{BE86910D-FC35-4214-BC74-5B4E01076120}"/>
-              </a:ext>
-            </a:extLst>
-          </p:cNvPr>
-          <p:cNvSpPr txBox="1"/>
-          <p:nvPr/>
-        </p:nvSpPr>
-        <p:spPr>
-          <a:xfrm>
-            <a:off x="1197164" y="2057398"/>
-            <a:ext cx="11546958" cy="3156228"/>
-          </a:xfrm>
-          <a:prstGeom prst="rect">
-            <a:avLst/>
-          </a:prstGeom>
-          <a:noFill/>
-        </p:spPr>
-        <p:txBody>
-          <a:bodyPr wrap="square" lIns="121899" tIns="60950" rIns="121899" bIns="60950" rtlCol="0">
-            <a:spAutoFit/>
-          </a:bodyPr>
-          <a:lstStyle/>
-          <a:p>
-            <a:pPr>
-              <a:spcAft>
-                <a:spcPts val="800"/>
-              </a:spcAft>
-            </a:pPr>
-            <a:r>
-              <a:rPr lang="en-US" altLang="zh-CN" sz="2400" b="1" dirty="0">
-                <a:latin typeface="Arial" panose="020B0604020202020204" pitchFamily="34" charset="0"/>
-                <a:cs typeface="Arial" panose="020B0604020202020204" pitchFamily="34" charset="0"/>
-              </a:rPr>
-              <a:t>R3-1909</a:t>
-            </a:r>
-            <a:r>
-              <a:rPr lang="zh-CN" altLang="en-US" sz="2400" b="1" dirty="0">
-                <a:latin typeface="Arial" panose="020B0604020202020204" pitchFamily="34" charset="0"/>
-                <a:cs typeface="Arial" panose="020B0604020202020204" pitchFamily="34" charset="0"/>
-              </a:rPr>
-              <a:t>（续）</a:t>
-            </a:r>
-            <a:endParaRPr lang="en-US" altLang="zh-CN" sz="2400" b="1" dirty="0">
-              <a:latin typeface="Arial" panose="020B0604020202020204" pitchFamily="34" charset="0"/>
-              <a:cs typeface="Arial" panose="020B0604020202020204" pitchFamily="34" charset="0"/>
-            </a:endParaRPr>
-          </a:p>
-          <a:p>
-            <a:pPr marL="342900" indent="-342900">
-              <a:lnSpc>
-                <a:spcPct val="150000"/>
-              </a:lnSpc>
-              <a:spcAft>
-                <a:spcPts val="800"/>
-              </a:spcAft>
-              <a:buFont typeface="Arial" panose="020B0604020202020204" pitchFamily="34" charset="0"/>
-              <a:buChar char="•"/>
-            </a:pPr>
-            <a:r>
-              <a:rPr lang="zh-CN" altLang="en-US" sz="2000" b="1" dirty="0">
-                <a:latin typeface="Arial" panose="020B0604020202020204" pitchFamily="34" charset="0"/>
-                <a:cs typeface="Arial" panose="020B0604020202020204" pitchFamily="34" charset="0"/>
-              </a:rPr>
-              <a:t>需求（改修点）：</a:t>
-            </a:r>
-            <a:r>
-              <a:rPr lang="zh-CN" altLang="en-US" sz="2000" dirty="0">
-                <a:latin typeface="Arial" panose="020B0604020202020204" pitchFamily="34" charset="0"/>
-                <a:cs typeface="Arial" panose="020B0604020202020204" pitchFamily="34" charset="0"/>
-              </a:rPr>
-              <a:t>在之间的测试过程中，发现了</a:t>
-            </a:r>
-            <a:r>
-              <a:rPr lang="en-US" altLang="zh-CN" sz="2000" dirty="0">
-                <a:latin typeface="Arial" panose="020B0604020202020204" pitchFamily="34" charset="0"/>
-                <a:cs typeface="Arial" panose="020B0604020202020204" pitchFamily="34" charset="0"/>
-              </a:rPr>
-              <a:t>bug</a:t>
-            </a:r>
-            <a:r>
-              <a:rPr lang="zh-CN" altLang="en-US" sz="2000" dirty="0">
-                <a:latin typeface="Arial" panose="020B0604020202020204" pitchFamily="34" charset="0"/>
-                <a:cs typeface="Arial" panose="020B0604020202020204" pitchFamily="34" charset="0"/>
-              </a:rPr>
-              <a:t>，需要修改请求端</a:t>
-            </a:r>
-            <a:r>
-              <a:rPr lang="en-US" altLang="zh-CN" sz="2000" dirty="0">
-                <a:latin typeface="Arial" panose="020B0604020202020204" pitchFamily="34" charset="0"/>
-                <a:cs typeface="Arial" panose="020B0604020202020204" pitchFamily="34" charset="0"/>
-              </a:rPr>
-              <a:t>json</a:t>
-            </a:r>
-            <a:r>
-              <a:rPr lang="zh-CN" altLang="en-US" sz="2000" dirty="0">
-                <a:latin typeface="Arial" panose="020B0604020202020204" pitchFamily="34" charset="0"/>
-                <a:cs typeface="Arial" panose="020B0604020202020204" pitchFamily="34" charset="0"/>
-              </a:rPr>
-              <a:t>格式并修改接收端代码</a:t>
-            </a:r>
-            <a:endParaRPr lang="en-US" altLang="zh-CN" sz="2000" dirty="0">
-              <a:latin typeface="Arial" panose="020B0604020202020204" pitchFamily="34" charset="0"/>
-              <a:cs typeface="Arial" panose="020B0604020202020204" pitchFamily="34" charset="0"/>
-            </a:endParaRPr>
-          </a:p>
-          <a:p>
-            <a:pPr marL="342900" indent="-342900">
-              <a:lnSpc>
-                <a:spcPct val="150000"/>
-              </a:lnSpc>
-              <a:spcAft>
-                <a:spcPts val="800"/>
-              </a:spcAft>
-              <a:buFont typeface="Arial" panose="020B0604020202020204" pitchFamily="34" charset="0"/>
-              <a:buChar char="•"/>
-            </a:pPr>
-            <a:r>
-              <a:rPr lang="zh-CN" altLang="en-US" sz="2000" b="1" dirty="0">
-                <a:latin typeface="Arial" panose="020B0604020202020204" pitchFamily="34" charset="0"/>
-                <a:cs typeface="Arial" panose="020B0604020202020204" pitchFamily="34" charset="0"/>
-              </a:rPr>
-              <a:t>任务</a:t>
-            </a:r>
-            <a:r>
-              <a:rPr lang="zh-CN" altLang="en-US" sz="2000" dirty="0">
-                <a:latin typeface="Arial" panose="020B0604020202020204" pitchFamily="34" charset="0"/>
-                <a:cs typeface="Arial" panose="020B0604020202020204" pitchFamily="34" charset="0"/>
-              </a:rPr>
-              <a:t>：尝试在本地修改代码改变</a:t>
-            </a:r>
-            <a:r>
-              <a:rPr lang="en-US" altLang="zh-CN" sz="2000" dirty="0">
-                <a:latin typeface="Arial" panose="020B0604020202020204" pitchFamily="34" charset="0"/>
-                <a:cs typeface="Arial" panose="020B0604020202020204" pitchFamily="34" charset="0"/>
-              </a:rPr>
-              <a:t>json</a:t>
-            </a:r>
-            <a:r>
-              <a:rPr lang="zh-CN" altLang="en-US" sz="2000" dirty="0">
-                <a:latin typeface="Arial" panose="020B0604020202020204" pitchFamily="34" charset="0"/>
-                <a:cs typeface="Arial" panose="020B0604020202020204" pitchFamily="34" charset="0"/>
-              </a:rPr>
-              <a:t>格式，等待导师修改代码后，自己写测试</a:t>
-            </a:r>
-            <a:r>
-              <a:rPr lang="en-US" altLang="zh-CN" sz="2000" dirty="0">
-                <a:latin typeface="Arial" panose="020B0604020202020204" pitchFamily="34" charset="0"/>
-                <a:cs typeface="Arial" panose="020B0604020202020204" pitchFamily="34" charset="0"/>
-              </a:rPr>
-              <a:t>case</a:t>
-            </a:r>
-            <a:r>
-              <a:rPr lang="zh-CN" altLang="en-US" sz="2000" dirty="0">
-                <a:latin typeface="Arial" panose="020B0604020202020204" pitchFamily="34" charset="0"/>
-                <a:cs typeface="Arial" panose="020B0604020202020204" pitchFamily="34" charset="0"/>
-              </a:rPr>
-              <a:t>后进行测试。在本地环境测试完成，开发人员将应用部署到</a:t>
-            </a:r>
-            <a:r>
-              <a:rPr lang="en-US" altLang="zh-CN" sz="2000" dirty="0">
-                <a:latin typeface="Arial" panose="020B0604020202020204" pitchFamily="34" charset="0"/>
-                <a:cs typeface="Arial" panose="020B0604020202020204" pitchFamily="34" charset="0"/>
-              </a:rPr>
-              <a:t>Azure</a:t>
-            </a:r>
-            <a:r>
-              <a:rPr lang="zh-CN" altLang="en-US" sz="2000" dirty="0">
-                <a:latin typeface="Arial" panose="020B0604020202020204" pitchFamily="34" charset="0"/>
-                <a:cs typeface="Arial" panose="020B0604020202020204" pitchFamily="34" charset="0"/>
-              </a:rPr>
-              <a:t>上后，进行黑盒测试，验证程序是否能跑通</a:t>
-            </a:r>
-            <a:endParaRPr lang="en-US" altLang="ja-JP" sz="2000" dirty="0">
-              <a:latin typeface="Arial" panose="020B0604020202020204" pitchFamily="34" charset="0"/>
-              <a:cs typeface="Arial" panose="020B0604020202020204" pitchFamily="34" charset="0"/>
-            </a:endParaRPr>
-          </a:p>
-          <a:p>
-            <a:pPr marL="342900" indent="-342900">
-              <a:lnSpc>
-                <a:spcPct val="150000"/>
-              </a:lnSpc>
-              <a:spcAft>
-                <a:spcPts val="800"/>
-              </a:spcAft>
-              <a:buFont typeface="Arial" panose="020B0604020202020204" pitchFamily="34" charset="0"/>
-              <a:buChar char="•"/>
-            </a:pPr>
-            <a:r>
-              <a:rPr lang="zh-CN" altLang="en-US" sz="2000" b="1" dirty="0">
-                <a:latin typeface="Arial" panose="020B0604020202020204" pitchFamily="34" charset="0"/>
-                <a:cs typeface="Arial" panose="020B0604020202020204" pitchFamily="34" charset="0"/>
-              </a:rPr>
-              <a:t>行动</a:t>
-            </a:r>
-            <a:r>
-              <a:rPr lang="zh-CN" altLang="en-US" sz="2000" dirty="0">
-                <a:latin typeface="Arial" panose="020B0604020202020204" pitchFamily="34" charset="0"/>
-                <a:cs typeface="Arial" panose="020B0604020202020204" pitchFamily="34" charset="0"/>
-              </a:rPr>
-              <a:t>：在测试阶段，发现问题后上报解决</a:t>
-            </a:r>
-            <a:endParaRPr lang="en-US" altLang="zh-CN" sz="2000" dirty="0">
-              <a:latin typeface="Arial" panose="020B0604020202020204" pitchFamily="34" charset="0"/>
-              <a:cs typeface="Arial" panose="020B0604020202020204" pitchFamily="34" charset="0"/>
-            </a:endParaRPr>
-          </a:p>
-          <a:p>
-            <a:pPr marL="342900" indent="-342900">
-              <a:lnSpc>
-                <a:spcPct val="150000"/>
-              </a:lnSpc>
-              <a:spcAft>
-                <a:spcPts val="800"/>
-              </a:spcAft>
-              <a:buFont typeface="Arial" panose="020B0604020202020204" pitchFamily="34" charset="0"/>
-              <a:buChar char="•"/>
-            </a:pPr>
-            <a:r>
-              <a:rPr lang="zh-CN" altLang="en-US" sz="2000" b="1" dirty="0">
-                <a:latin typeface="Arial" panose="020B0604020202020204" pitchFamily="34" charset="0"/>
-                <a:cs typeface="Arial" panose="020B0604020202020204" pitchFamily="34" charset="0"/>
-              </a:rPr>
-              <a:t>结果</a:t>
-            </a:r>
-            <a:r>
-              <a:rPr lang="zh-CN" altLang="en-US" sz="2000" dirty="0">
-                <a:latin typeface="Arial" panose="020B0604020202020204" pitchFamily="34" charset="0"/>
-                <a:cs typeface="Arial" panose="020B0604020202020204" pitchFamily="34" charset="0"/>
-              </a:rPr>
-              <a:t>：规定期限内完成自己的任务，了解了项目中</a:t>
-            </a:r>
-            <a:r>
-              <a:rPr lang="en-US" altLang="zh-CN" sz="2000" dirty="0">
-                <a:latin typeface="Arial" panose="020B0604020202020204" pitchFamily="34" charset="0"/>
-                <a:cs typeface="Arial" panose="020B0604020202020204" pitchFamily="34" charset="0"/>
-              </a:rPr>
-              <a:t>Azure Batch</a:t>
-            </a:r>
-            <a:r>
-              <a:rPr lang="zh-CN" altLang="en-US" sz="2000" dirty="0">
-                <a:latin typeface="Arial" panose="020B0604020202020204" pitchFamily="34" charset="0"/>
-                <a:cs typeface="Arial" panose="020B0604020202020204" pitchFamily="34" charset="0"/>
-              </a:rPr>
-              <a:t>相关代码、处理流程以及请求格式</a:t>
-            </a:r>
-            <a:endParaRPr lang="zh-CN" altLang="en-US" sz="2000" b="1" dirty="0">
-              <a:latin typeface="Arial" panose="020B0604020202020204" pitchFamily="34" charset="0"/>
-              <a:cs typeface="Arial" panose="020B0604020202020204" pitchFamily="34" charset="0"/>
-            </a:endParaRPr>
-          </a:p>
-        </p:txBody>
-      </p:sp>
-    </p:spTree>
-    <p:extLst>
-      <p:ext uri="{BB962C8B-B14F-4D97-AF65-F5344CB8AC3E}">
-        <p14:creationId xmlns:p14="http://schemas.microsoft.com/office/powerpoint/2010/main" val="2528171752"/>
       </p:ext>
     </p:extLst>
   </p:cSld>
@@ -25063,6 +26465,21 @@
 </file>
 
 <file path=customXml/item1.xml><?xml version="1.0" encoding="utf-8"?>
+<p:properties xmlns:p="http://schemas.microsoft.com/office/2006/metadata/properties" xmlns:xsi="http://www.w3.org/2001/XMLSchema-instance" xmlns:pc="http://schemas.microsoft.com/office/infopath/2007/PartnerControls">
+  <documentManagement/>
+</p:properties>
+</file>
+
+<file path=customXml/item2.xml><?xml version="1.0" encoding="utf-8"?>
+<?mso-contentType ?>
+<FormTemplates xmlns="http://schemas.microsoft.com/sharepoint/v3/contenttype/forms">
+  <Display>DocumentLibraryForm</Display>
+  <Edit>DocumentLibraryForm</Edit>
+  <New>DocumentLibraryForm</New>
+</FormTemplates>
+</file>
+
+<file path=customXml/item3.xml><?xml version="1.0" encoding="utf-8"?>
 <ct:contentTypeSchema xmlns:ct="http://schemas.microsoft.com/office/2006/metadata/contentType" xmlns:ma="http://schemas.microsoft.com/office/2006/metadata/properties/metaAttributes" ct:_="" ma:_="" ma:contentTypeName="Document" ma:contentTypeID="0x010100916F182140194F4A8CCC57EE77F8793D" ma:contentTypeVersion="4" ma:contentTypeDescription="Create a new document." ma:contentTypeScope="" ma:versionID="f24d8051ee861718e22b0ae7423b30c7">
   <xsd:schema xmlns:xsd="http://www.w3.org/2001/XMLSchema" xmlns:xs="http://www.w3.org/2001/XMLSchema" xmlns:p="http://schemas.microsoft.com/office/2006/metadata/properties" xmlns:ns2="f228489a-dcf5-4b36-becb-e077c37c524e" targetNamespace="http://schemas.microsoft.com/office/2006/metadata/properties" ma:root="true" ma:fieldsID="3e265d2d88944d89f3255ee9925721a9" ns2:_="">
     <xsd:import namespace="f228489a-dcf5-4b36-becb-e077c37c524e"/>
@@ -25208,22 +26625,24 @@
 </ct:contentTypeSchema>
 </file>
 
-<file path=customXml/item2.xml><?xml version="1.0" encoding="utf-8"?>
-<?mso-contentType ?>
-<FormTemplates xmlns="http://schemas.microsoft.com/sharepoint/v3/contenttype/forms">
-  <Display>DocumentLibraryForm</Display>
-  <Edit>DocumentLibraryForm</Edit>
-  <New>DocumentLibraryForm</New>
-</FormTemplates>
+<file path=customXml/itemProps1.xml><?xml version="1.0" encoding="utf-8"?>
+<ds:datastoreItem xmlns:ds="http://schemas.openxmlformats.org/officeDocument/2006/customXml" ds:itemID="{F9E3DFC7-539B-4B55-9D4E-50BDD86210B4}">
+  <ds:schemaRefs>
+    <ds:schemaRef ds:uri="http://schemas.microsoft.com/office/2006/metadata/properties"/>
+    <ds:schemaRef ds:uri="http://schemas.microsoft.com/office/infopath/2007/PartnerControls"/>
+  </ds:schemaRefs>
+</ds:datastoreItem>
 </file>
 
-<file path=customXml/item3.xml><?xml version="1.0" encoding="utf-8"?>
-<p:properties xmlns:p="http://schemas.microsoft.com/office/2006/metadata/properties" xmlns:xsi="http://www.w3.org/2001/XMLSchema-instance" xmlns:pc="http://schemas.microsoft.com/office/infopath/2007/PartnerControls">
-  <documentManagement/>
-</p:properties>
+<file path=customXml/itemProps2.xml><?xml version="1.0" encoding="utf-8"?>
+<ds:datastoreItem xmlns:ds="http://schemas.openxmlformats.org/officeDocument/2006/customXml" ds:itemID="{9774891E-6564-4958-A4CF-188F7360FC52}">
+  <ds:schemaRefs>
+    <ds:schemaRef ds:uri="http://schemas.microsoft.com/sharepoint/v3/contenttype/forms"/>
+  </ds:schemaRefs>
+</ds:datastoreItem>
 </file>
 
-<file path=customXml/itemProps1.xml><?xml version="1.0" encoding="utf-8"?>
+<file path=customXml/itemProps3.xml><?xml version="1.0" encoding="utf-8"?>
 <ds:datastoreItem xmlns:ds="http://schemas.openxmlformats.org/officeDocument/2006/customXml" ds:itemID="{25BBF9B6-64C3-4607-AD5B-D62FD888A901}">
   <ds:schemaRefs>
     <ds:schemaRef ds:uri="http://schemas.microsoft.com/office/2006/metadata/contentType"/>
@@ -25239,21 +26658,4 @@
     <ds:schemaRef ds:uri="http://schemas.microsoft.com/internal/obd"/>
   </ds:schemaRefs>
 </ds:datastoreItem>
-</file>
-
-<file path=customXml/itemProps2.xml><?xml version="1.0" encoding="utf-8"?>
-<ds:datastoreItem xmlns:ds="http://schemas.openxmlformats.org/officeDocument/2006/customXml" ds:itemID="{9774891E-6564-4958-A4CF-188F7360FC52}">
-  <ds:schemaRefs>
-    <ds:schemaRef ds:uri="http://schemas.microsoft.com/sharepoint/v3/contenttype/forms"/>
-  </ds:schemaRefs>
-</ds:datastoreItem>
-</file>
-
-<file path=customXml/itemProps3.xml><?xml version="1.0" encoding="utf-8"?>
-<ds:datastoreItem xmlns:ds="http://schemas.openxmlformats.org/officeDocument/2006/customXml" ds:itemID="{F9E3DFC7-539B-4B55-9D4E-50BDD86210B4}">
-  <ds:schemaRefs>
-    <ds:schemaRef ds:uri="http://schemas.microsoft.com/office/2006/metadata/properties"/>
-    <ds:schemaRef ds:uri="http://schemas.microsoft.com/office/infopath/2007/PartnerControls"/>
-  </ds:schemaRefs>
-</ds:datastoreItem>
 </file>
--- a/company space/实习报告/实习报告_朱赫 [.pptx
+++ b/company space/实习报告/实习报告_朱赫 [.pptx
@@ -454,7 +454,7 @@
             <a:fld id="{73B26A0F-F4D6-9B4F-A87B-D8948CDE3BB4}" type="datetimeFigureOut">
               <a:rPr lang="en-US" smtClean="0"/>
               <a:pPr/>
-              <a:t>6/5/2023</a:t>
+              <a:t>6/6/2023</a:t>
             </a:fld>
             <a:endParaRPr lang="en-US" dirty="0"/>
           </a:p>
@@ -3786,7 +3786,7 @@
                   <a:spcPct val="50000"/>
                 </a:spcBef>
               </a:pPr>
-              <a:t>June 5, 2023</a:t>
+              <a:t>June 6, 2023</a:t>
             </a:fld>
             <a:endParaRPr lang="en-US" sz="1100" b="0" dirty="0">
               <a:solidFill>
@@ -5217,7 +5217,7 @@
                   <a:spcPct val="50000"/>
                 </a:spcBef>
               </a:pPr>
-              <a:t>June 5, 2023</a:t>
+              <a:t>June 6, 2023</a:t>
             </a:fld>
             <a:endParaRPr lang="en-US" sz="1100" b="0" dirty="0">
               <a:solidFill>
@@ -5496,7 +5496,7 @@
                   <a:spcPts val="0"/>
                 </a:spcBef>
               </a:pPr>
-              <a:t>June 5, 2023</a:t>
+              <a:t>June 6, 2023</a:t>
             </a:fld>
             <a:endParaRPr lang="en-US" sz="1100" b="0" dirty="0">
               <a:solidFill>
@@ -7168,7 +7168,7 @@
                   <a:spcPct val="50000"/>
                 </a:spcBef>
               </a:pPr>
-              <a:t>June 5, 2023</a:t>
+              <a:t>June 6, 2023</a:t>
             </a:fld>
             <a:endParaRPr lang="en-US" sz="1100" b="0" dirty="0">
               <a:solidFill>
@@ -7459,7 +7459,7 @@
                   <a:spcPts val="0"/>
                 </a:spcBef>
               </a:pPr>
-              <a:t>June 5, 2023</a:t>
+              <a:t>June 6, 2023</a:t>
             </a:fld>
             <a:endParaRPr lang="en-US" sz="1100" b="0" dirty="0">
               <a:solidFill>
@@ -8677,7 +8677,7 @@
                   <a:spcPct val="50000"/>
                 </a:spcBef>
               </a:pPr>
-              <a:t>June 5, 2023</a:t>
+              <a:t>June 6, 2023</a:t>
             </a:fld>
             <a:endParaRPr lang="en-US" sz="1100" b="0" dirty="0">
               <a:solidFill>
@@ -8956,7 +8956,7 @@
                   <a:spcPts val="0"/>
                 </a:spcBef>
               </a:pPr>
-              <a:t>June 5, 2023</a:t>
+              <a:t>June 6, 2023</a:t>
             </a:fld>
             <a:endParaRPr lang="en-US" sz="1100" b="0" dirty="0">
               <a:solidFill>
@@ -10389,7 +10389,7 @@
                   <a:spcPct val="50000"/>
                 </a:spcBef>
               </a:pPr>
-              <a:t>June 5, 2023</a:t>
+              <a:t>June 6, 2023</a:t>
             </a:fld>
             <a:endParaRPr lang="en-US" sz="1100" b="0" dirty="0">
               <a:solidFill>
@@ -17662,7 +17662,7 @@
                   <a:spcPts val="0"/>
                 </a:spcBef>
               </a:pPr>
-              <a:t>June 5, 2023</a:t>
+              <a:t>June 6, 2023</a:t>
             </a:fld>
             <a:endParaRPr lang="en-US" sz="1100" b="0" dirty="0">
               <a:solidFill>
@@ -18625,7 +18625,7 @@
               <a:t>：尝试在本地修改代码改变</a:t>
             </a:r>
             <a:r>
-              <a:rPr lang="en-US" altLang="zh-CN" sz="2000" dirty="0">
+              <a:rPr lang="en-US" altLang="zh-CN" sz="2000" dirty="0" err="1">
                 <a:latin typeface="Arial" panose="020B0604020202020204" pitchFamily="34" charset="0"/>
                 <a:cs typeface="Arial" panose="020B0604020202020204" pitchFamily="34" charset="0"/>
               </a:rPr>
@@ -18636,7 +18636,7 @@
                 <a:latin typeface="Arial" panose="020B0604020202020204" pitchFamily="34" charset="0"/>
                 <a:cs typeface="Arial" panose="020B0604020202020204" pitchFamily="34" charset="0"/>
               </a:rPr>
-              <a:t>格式，等待导师修改代码后，自己写测试</a:t>
+              <a:t>格式，写测试</a:t>
             </a:r>
             <a:r>
               <a:rPr lang="en-US" altLang="zh-CN" sz="2000" dirty="0">
@@ -18694,7 +18694,7 @@
                 <a:latin typeface="Arial" panose="020B0604020202020204" pitchFamily="34" charset="0"/>
                 <a:cs typeface="Arial" panose="020B0604020202020204" pitchFamily="34" charset="0"/>
               </a:rPr>
-              <a:t>：在测试阶段，发现问题后上报解决</a:t>
+              <a:t>：在测试阶段，发现问题后解决</a:t>
             </a:r>
             <a:endParaRPr lang="en-US" altLang="zh-CN" sz="2000" dirty="0">
               <a:latin typeface="Arial" panose="020B0604020202020204" pitchFamily="34" charset="0"/>
@@ -18911,7 +18911,7 @@
                   <a:latin typeface="Microsoft YaHei" panose="020B0503020204020204" pitchFamily="34" charset="-122"/>
                   <a:ea typeface="Microsoft YaHei" panose="020B0503020204020204" pitchFamily="34" charset="-122"/>
                 </a:rPr>
-                <a:t>从零基础到可以基本的听、说、读、写，在项目中学会了很多软件开发相关的日语词汇，可以看懂日语手顺以及式样书内容，能独立书写部分内容。</a:t>
+                <a:t>可以基本的听、说、读、写，在项目中学会了很多软件开发相关的日语词汇，可以看懂日语手顺以及式样书内容，能独立书写部分内容。</a:t>
               </a:r>
               <a:endParaRPr lang="en-US" sz="2000" dirty="0">
                 <a:solidFill>
@@ -21089,7 +21089,7 @@
         <p:spPr>
           <a:xfrm>
             <a:off x="4163894" y="2497518"/>
-            <a:ext cx="4036044" cy="4678184"/>
+            <a:ext cx="4036044" cy="4308852"/>
           </a:xfrm>
           <a:prstGeom prst="rect">
             <a:avLst/>
@@ -21196,7 +21196,7 @@
                 <a:latin typeface="Microsoft YaHei" panose="020B0503020204020204" pitchFamily="34" charset="-122"/>
                 <a:ea typeface="Microsoft YaHei" panose="020B0503020204020204" pitchFamily="34" charset="-122"/>
               </a:rPr>
-              <a:t>对于新的技术方向，积极探索并学习，在这些新的技术领域不断拓展自己的知识面和技能，以便将来适应行业发展趋势</a:t>
+              <a:t>对于新的技术方向，积极探索并学习，在新的技术领域不断拓展自己的知识面和技能，以便将来适应行业发展趋势</a:t>
             </a:r>
             <a:endParaRPr lang="en-US" altLang="zh-CN" sz="1600" dirty="0">
               <a:latin typeface="Microsoft YaHei" panose="020B0503020204020204" pitchFamily="34" charset="-122"/>
@@ -22495,8 +22495,8 @@
         </p:nvSpPr>
         <p:spPr bwMode="gray">
           <a:xfrm flipH="1">
-            <a:off x="4428185" y="4090303"/>
-            <a:ext cx="5854066" cy="727826"/>
+            <a:off x="4536856" y="3986522"/>
+            <a:ext cx="5570427" cy="727826"/>
           </a:xfrm>
           <a:prstGeom prst="roundRect">
             <a:avLst>
@@ -22504,7 +22504,7 @@
             </a:avLst>
           </a:prstGeom>
           <a:solidFill>
-            <a:schemeClr val="accent4"/>
+            <a:srgbClr val="00968F"/>
           </a:solidFill>
           <a:ln w="28575" algn="ctr">
             <a:noFill/>
@@ -22535,7 +22535,17 @@
                 <a:latin typeface="微软雅黑" panose="020B0503020204020204" pitchFamily="34" charset="-122"/>
                 <a:ea typeface="微软雅黑" panose="020B0503020204020204" pitchFamily="34" charset="-122"/>
               </a:rPr>
-              <a:t>目标和计划</a:t>
+              <a:t>目标</a:t>
+            </a:r>
+            <a:r>
+              <a:rPr lang="zh-CN" altLang="en-US" sz="2640" b="1">
+                <a:solidFill>
+                  <a:schemeClr val="bg1"/>
+                </a:solidFill>
+                <a:latin typeface="微软雅黑" panose="020B0503020204020204" pitchFamily="34" charset="-122"/>
+                <a:ea typeface="微软雅黑" panose="020B0503020204020204" pitchFamily="34" charset="-122"/>
+              </a:rPr>
+              <a:t>和计划</a:t>
             </a:r>
             <a:endParaRPr lang="en-US" altLang="zh-CN" sz="2640" b="1" dirty="0">
               <a:solidFill>
@@ -22557,8 +22567,8 @@
         </p:nvSpPr>
         <p:spPr bwMode="gray">
           <a:xfrm flipH="1">
-            <a:off x="4398763" y="3252164"/>
-            <a:ext cx="5854066" cy="727826"/>
+            <a:off x="4507434" y="3148383"/>
+            <a:ext cx="5570427" cy="727826"/>
           </a:xfrm>
           <a:prstGeom prst="roundRect">
             <a:avLst>
@@ -22619,8 +22629,8 @@
         </p:nvSpPr>
         <p:spPr bwMode="gray">
           <a:xfrm flipH="1">
-            <a:off x="4398763" y="2433943"/>
-            <a:ext cx="5854066" cy="727826"/>
+            <a:off x="4507434" y="2330162"/>
+            <a:ext cx="5570427" cy="727826"/>
           </a:xfrm>
           <a:prstGeom prst="roundRect">
             <a:avLst>
@@ -22628,7 +22638,7 @@
             </a:avLst>
           </a:prstGeom>
           <a:solidFill>
-            <a:schemeClr val="accent4"/>
+            <a:srgbClr val="00968F"/>
           </a:solidFill>
           <a:ln w="28575" algn="ctr">
             <a:noFill/>
@@ -22681,8 +22691,8 @@
         </p:nvSpPr>
         <p:spPr bwMode="gray">
           <a:xfrm flipH="1">
-            <a:off x="4398763" y="1612299"/>
-            <a:ext cx="5854066" cy="750569"/>
+            <a:off x="4507434" y="1508518"/>
+            <a:ext cx="5570427" cy="750569"/>
           </a:xfrm>
           <a:prstGeom prst="roundRect">
             <a:avLst>
@@ -22742,8 +22752,8 @@
         </p:nvSpPr>
         <p:spPr>
           <a:xfrm>
-            <a:off x="4507433" y="1717592"/>
-            <a:ext cx="539983" cy="539983"/>
+            <a:off x="4616105" y="1613811"/>
+            <a:ext cx="513820" cy="539983"/>
           </a:xfrm>
           <a:prstGeom prst="ellipse">
             <a:avLst/>
@@ -22803,8 +22813,8 @@
         </p:nvSpPr>
         <p:spPr>
           <a:xfrm>
-            <a:off x="4507433" y="2577517"/>
-            <a:ext cx="539983" cy="539983"/>
+            <a:off x="4616105" y="2473736"/>
+            <a:ext cx="513820" cy="539983"/>
           </a:xfrm>
           <a:prstGeom prst="ellipse">
             <a:avLst/>
@@ -22864,8 +22874,8 @@
         </p:nvSpPr>
         <p:spPr>
           <a:xfrm>
-            <a:off x="4507433" y="3373092"/>
-            <a:ext cx="539983" cy="539983"/>
+            <a:off x="4616105" y="3269311"/>
+            <a:ext cx="513820" cy="539983"/>
           </a:xfrm>
           <a:prstGeom prst="ellipse">
             <a:avLst/>
@@ -22925,8 +22935,8 @@
         </p:nvSpPr>
         <p:spPr>
           <a:xfrm>
-            <a:off x="4507433" y="4190144"/>
-            <a:ext cx="539983" cy="539983"/>
+            <a:off x="4616105" y="4086363"/>
+            <a:ext cx="513820" cy="539983"/>
           </a:xfrm>
           <a:prstGeom prst="ellipse">
             <a:avLst/>
@@ -23679,7 +23689,7 @@
         <p:spPr>
           <a:xfrm>
             <a:off x="1541721" y="2632803"/>
-            <a:ext cx="11546958" cy="4031853"/>
+            <a:ext cx="11546958" cy="3570188"/>
           </a:xfrm>
           <a:prstGeom prst="rect">
             <a:avLst/>
@@ -23781,7 +23791,7 @@
                 <a:latin typeface="Arial" panose="020B0604020202020204" pitchFamily="34" charset="0"/>
                 <a:cs typeface="Arial" panose="020B0604020202020204" pitchFamily="34" charset="0"/>
               </a:rPr>
-              <a:t>月，为期半年左右，学习标准日本语初级以及中级上</a:t>
+              <a:t>月，为期半年左右，共学习三本日语书</a:t>
             </a:r>
             <a:endParaRPr lang="en-US" altLang="zh-CN" sz="2000" dirty="0">
               <a:latin typeface="Arial" panose="020B0604020202020204" pitchFamily="34" charset="0"/>
@@ -23804,7 +23814,7 @@
                 <a:latin typeface="Arial" panose="020B0604020202020204" pitchFamily="34" charset="0"/>
                 <a:cs typeface="Arial" panose="020B0604020202020204" pitchFamily="34" charset="0"/>
               </a:rPr>
-              <a:t>每上完一课，对本课内容进行语法总结，每两课上完听写日语单词</a:t>
+              <a:t>每完成一课培训，对本课内容进行语法总结，每两课上完听写日语单词</a:t>
             </a:r>
             <a:endParaRPr lang="en-US" altLang="zh-CN" sz="2000" dirty="0">
               <a:latin typeface="Arial" panose="020B0604020202020204" pitchFamily="34" charset="0"/>
@@ -24548,7 +24558,7 @@
                 <a:latin typeface="Arial" panose="020B0604020202020204" pitchFamily="34" charset="0"/>
                 <a:cs typeface="Arial" panose="020B0604020202020204" pitchFamily="34" charset="0"/>
               </a:rPr>
-              <a:t>文字列出现问题时，程序会崩，代码修改完成后需要测试</a:t>
+              <a:t>文字列出现问题时，程序会崩，代码修改完成后需要测试工作</a:t>
             </a:r>
             <a:endParaRPr lang="en-US" altLang="ja-JP" sz="2000" dirty="0">
               <a:latin typeface="Arial" panose="020B0604020202020204" pitchFamily="34" charset="0"/>
@@ -25443,7 +25453,7 @@
                 <a:latin typeface="Arial" panose="020B0604020202020204" pitchFamily="34" charset="0"/>
                 <a:cs typeface="Arial" panose="020B0604020202020204" pitchFamily="34" charset="0"/>
               </a:rPr>
-              <a:t>：熟悉</a:t>
+              <a:t>：熟悉项目中</a:t>
             </a:r>
             <a:r>
               <a:rPr lang="en-US" altLang="zh-CN" sz="2000" dirty="0">
@@ -25457,7 +25467,7 @@
                 <a:latin typeface="Arial" panose="020B0604020202020204" pitchFamily="34" charset="0"/>
                 <a:cs typeface="Arial" panose="020B0604020202020204" pitchFamily="34" charset="0"/>
               </a:rPr>
-              <a:t>的调用过程，然后根据开发人员修改的代码进行测试，在遇到</a:t>
+              <a:t>的调用过程，根据开发人员修改的代码进行测试，在遇到</a:t>
             </a:r>
             <a:r>
               <a:rPr lang="en-US" altLang="zh-CN" sz="2000" dirty="0">
@@ -25501,7 +25511,7 @@
                 <a:latin typeface="Arial" panose="020B0604020202020204" pitchFamily="34" charset="0"/>
                 <a:cs typeface="Arial" panose="020B0604020202020204" pitchFamily="34" charset="0"/>
               </a:rPr>
-              <a:t>：在测试阶段，连续发现了几个问题，在导师修改完代码后继续进行测试</a:t>
+              <a:t>：在测试阶段，连续发现了几个问题，在修改完代码后继续进行测试</a:t>
             </a:r>
             <a:endParaRPr lang="en-US" altLang="zh-CN" sz="2000" dirty="0">
               <a:latin typeface="Arial" panose="020B0604020202020204" pitchFamily="34" charset="0"/>
@@ -25531,7 +25541,21 @@
                 <a:latin typeface="Arial" panose="020B0604020202020204" pitchFamily="34" charset="0"/>
                 <a:cs typeface="Arial" panose="020B0604020202020204" pitchFamily="34" charset="0"/>
               </a:rPr>
-              <a:t>：按时完成测试任务并熟悉了调用原理及内容，方便开展下一步工作</a:t>
+              <a:t>：按时完成测试任务并熟悉了调用原理及内容，学会了</a:t>
+            </a:r>
+            <a:r>
+              <a:rPr lang="en-US" altLang="zh-CN" sz="2000" dirty="0">
+                <a:latin typeface="Arial" panose="020B0604020202020204" pitchFamily="34" charset="0"/>
+                <a:cs typeface="Arial" panose="020B0604020202020204" pitchFamily="34" charset="0"/>
+              </a:rPr>
+              <a:t>Azure Function</a:t>
+            </a:r>
+            <a:r>
+              <a:rPr lang="zh-CN" altLang="en-US" sz="2000" dirty="0">
+                <a:latin typeface="Arial" panose="020B0604020202020204" pitchFamily="34" charset="0"/>
+                <a:cs typeface="Arial" panose="020B0604020202020204" pitchFamily="34" charset="0"/>
+              </a:rPr>
+              <a:t>的流程</a:t>
             </a:r>
             <a:endParaRPr lang="en-US" altLang="zh-CN" sz="2000" dirty="0">
               <a:latin typeface="Arial" panose="020B0604020202020204" pitchFamily="34" charset="0"/>
@@ -26465,21 +26489,6 @@
 </file>
 
 <file path=customXml/item1.xml><?xml version="1.0" encoding="utf-8"?>
-<p:properties xmlns:p="http://schemas.microsoft.com/office/2006/metadata/properties" xmlns:xsi="http://www.w3.org/2001/XMLSchema-instance" xmlns:pc="http://schemas.microsoft.com/office/infopath/2007/PartnerControls">
-  <documentManagement/>
-</p:properties>
-</file>
-
-<file path=customXml/item2.xml><?xml version="1.0" encoding="utf-8"?>
-<?mso-contentType ?>
-<FormTemplates xmlns="http://schemas.microsoft.com/sharepoint/v3/contenttype/forms">
-  <Display>DocumentLibraryForm</Display>
-  <Edit>DocumentLibraryForm</Edit>
-  <New>DocumentLibraryForm</New>
-</FormTemplates>
-</file>
-
-<file path=customXml/item3.xml><?xml version="1.0" encoding="utf-8"?>
 <ct:contentTypeSchema xmlns:ct="http://schemas.microsoft.com/office/2006/metadata/contentType" xmlns:ma="http://schemas.microsoft.com/office/2006/metadata/properties/metaAttributes" ct:_="" ma:_="" ma:contentTypeName="Document" ma:contentTypeID="0x010100916F182140194F4A8CCC57EE77F8793D" ma:contentTypeVersion="4" ma:contentTypeDescription="Create a new document." ma:contentTypeScope="" ma:versionID="f24d8051ee861718e22b0ae7423b30c7">
   <xsd:schema xmlns:xsd="http://www.w3.org/2001/XMLSchema" xmlns:xs="http://www.w3.org/2001/XMLSchema" xmlns:p="http://schemas.microsoft.com/office/2006/metadata/properties" xmlns:ns2="f228489a-dcf5-4b36-becb-e077c37c524e" targetNamespace="http://schemas.microsoft.com/office/2006/metadata/properties" ma:root="true" ma:fieldsID="3e265d2d88944d89f3255ee9925721a9" ns2:_="">
     <xsd:import namespace="f228489a-dcf5-4b36-becb-e077c37c524e"/>
@@ -26625,24 +26634,22 @@
 </ct:contentTypeSchema>
 </file>
 
-<file path=customXml/itemProps1.xml><?xml version="1.0" encoding="utf-8"?>
-<ds:datastoreItem xmlns:ds="http://schemas.openxmlformats.org/officeDocument/2006/customXml" ds:itemID="{F9E3DFC7-539B-4B55-9D4E-50BDD86210B4}">
-  <ds:schemaRefs>
-    <ds:schemaRef ds:uri="http://schemas.microsoft.com/office/2006/metadata/properties"/>
-    <ds:schemaRef ds:uri="http://schemas.microsoft.com/office/infopath/2007/PartnerControls"/>
-  </ds:schemaRefs>
-</ds:datastoreItem>
+<file path=customXml/item2.xml><?xml version="1.0" encoding="utf-8"?>
+<?mso-contentType ?>
+<FormTemplates xmlns="http://schemas.microsoft.com/sharepoint/v3/contenttype/forms">
+  <Display>DocumentLibraryForm</Display>
+  <Edit>DocumentLibraryForm</Edit>
+  <New>DocumentLibraryForm</New>
+</FormTemplates>
 </file>
 
-<file path=customXml/itemProps2.xml><?xml version="1.0" encoding="utf-8"?>
-<ds:datastoreItem xmlns:ds="http://schemas.openxmlformats.org/officeDocument/2006/customXml" ds:itemID="{9774891E-6564-4958-A4CF-188F7360FC52}">
-  <ds:schemaRefs>
-    <ds:schemaRef ds:uri="http://schemas.microsoft.com/sharepoint/v3/contenttype/forms"/>
-  </ds:schemaRefs>
-</ds:datastoreItem>
+<file path=customXml/item3.xml><?xml version="1.0" encoding="utf-8"?>
+<p:properties xmlns:p="http://schemas.microsoft.com/office/2006/metadata/properties" xmlns:xsi="http://www.w3.org/2001/XMLSchema-instance" xmlns:pc="http://schemas.microsoft.com/office/infopath/2007/PartnerControls">
+  <documentManagement/>
+</p:properties>
 </file>
 
-<file path=customXml/itemProps3.xml><?xml version="1.0" encoding="utf-8"?>
+<file path=customXml/itemProps1.xml><?xml version="1.0" encoding="utf-8"?>
 <ds:datastoreItem xmlns:ds="http://schemas.openxmlformats.org/officeDocument/2006/customXml" ds:itemID="{25BBF9B6-64C3-4607-AD5B-D62FD888A901}">
   <ds:schemaRefs>
     <ds:schemaRef ds:uri="http://schemas.microsoft.com/office/2006/metadata/contentType"/>
@@ -26658,4 +26665,21 @@
     <ds:schemaRef ds:uri="http://schemas.microsoft.com/internal/obd"/>
   </ds:schemaRefs>
 </ds:datastoreItem>
+</file>
+
+<file path=customXml/itemProps2.xml><?xml version="1.0" encoding="utf-8"?>
+<ds:datastoreItem xmlns:ds="http://schemas.openxmlformats.org/officeDocument/2006/customXml" ds:itemID="{9774891E-6564-4958-A4CF-188F7360FC52}">
+  <ds:schemaRefs>
+    <ds:schemaRef ds:uri="http://schemas.microsoft.com/sharepoint/v3/contenttype/forms"/>
+  </ds:schemaRefs>
+</ds:datastoreItem>
+</file>
+
+<file path=customXml/itemProps3.xml><?xml version="1.0" encoding="utf-8"?>
+<ds:datastoreItem xmlns:ds="http://schemas.openxmlformats.org/officeDocument/2006/customXml" ds:itemID="{F9E3DFC7-539B-4B55-9D4E-50BDD86210B4}">
+  <ds:schemaRefs>
+    <ds:schemaRef ds:uri="http://schemas.microsoft.com/office/2006/metadata/properties"/>
+    <ds:schemaRef ds:uri="http://schemas.microsoft.com/office/infopath/2007/PartnerControls"/>
+  </ds:schemaRefs>
+</ds:datastoreItem>
 </file>
--- a/company space/实习报告/实习报告_朱赫 [.pptx
+++ b/company space/实习报告/实习报告_朱赫 [.pptx
@@ -21216,7 +21216,7 @@
                 <a:latin typeface="Microsoft YaHei" panose="020B0503020204020204" pitchFamily="34" charset="-122"/>
                 <a:ea typeface="Microsoft YaHei" panose="020B0503020204020204" pitchFamily="34" charset="-122"/>
               </a:rPr>
-              <a:t>加强项目管理和团队协作等软技能方面的能力。</a:t>
+              <a:t>加强程序设计和团队协作软技能方面的能力。</a:t>
             </a:r>
             <a:endParaRPr lang="en-US" altLang="zh-CN" sz="1600" dirty="0">
               <a:latin typeface="Microsoft YaHei" panose="020B0503020204020204" pitchFamily="34" charset="-122"/>
@@ -22495,7 +22495,7 @@
         </p:nvSpPr>
         <p:spPr bwMode="gray">
           <a:xfrm flipH="1">
-            <a:off x="4536856" y="3986522"/>
+            <a:off x="4540582" y="3989479"/>
             <a:ext cx="5570427" cy="727826"/>
           </a:xfrm>
           <a:prstGeom prst="roundRect">
@@ -23057,12 +23057,16 @@
   <p:clrMapOvr>
     <a:masterClrMapping/>
   </p:clrMapOvr>
-  <mc:AlternateContent xmlns:mc="http://schemas.openxmlformats.org/markup-compatibility/2006" xmlns:p14="http://schemas.microsoft.com/office/powerpoint/2010/main">
-    <mc:Choice Requires="p14">
-      <p:transition p14:dur="0" advClick="0" advTm="0"/>
+  <mc:AlternateContent xmlns:mc="http://schemas.openxmlformats.org/markup-compatibility/2006">
+    <mc:Choice xmlns:p14="http://schemas.microsoft.com/office/powerpoint/2010/main" Requires="p14">
+      <p:transition spd="med" p14:dur="700">
+        <p:fade/>
+      </p:transition>
     </mc:Choice>
-    <mc:Fallback xmlns="">
-      <p:transition advClick="0" advTm="0"/>
+    <mc:Fallback>
+      <p:transition spd="med">
+        <p:fade/>
+      </p:transition>
     </mc:Fallback>
   </mc:AlternateContent>
 </p:sld>
@@ -23541,13 +23545,13 @@
   <p:clrMapOvr>
     <a:masterClrMapping/>
   </p:clrMapOvr>
-  <mc:AlternateContent xmlns:mc="http://schemas.openxmlformats.org/markup-compatibility/2006" xmlns:p14="http://schemas.microsoft.com/office/powerpoint/2010/main">
-    <mc:Choice Requires="p14">
+  <mc:AlternateContent xmlns:mc="http://schemas.openxmlformats.org/markup-compatibility/2006">
+    <mc:Choice xmlns:p14="http://schemas.microsoft.com/office/powerpoint/2010/main" Requires="p14">
       <p:transition spd="med" p14:dur="700">
         <p:fade/>
       </p:transition>
     </mc:Choice>
-    <mc:Fallback xmlns="">
+    <mc:Fallback>
       <p:transition spd="med">
         <p:fade/>
       </p:transition>
@@ -26489,6 +26493,21 @@
 </file>
 
 <file path=customXml/item1.xml><?xml version="1.0" encoding="utf-8"?>
+<p:properties xmlns:p="http://schemas.microsoft.com/office/2006/metadata/properties" xmlns:xsi="http://www.w3.org/2001/XMLSchema-instance" xmlns:pc="http://schemas.microsoft.com/office/infopath/2007/PartnerControls">
+  <documentManagement/>
+</p:properties>
+</file>
+
+<file path=customXml/item2.xml><?xml version="1.0" encoding="utf-8"?>
+<?mso-contentType ?>
+<FormTemplates xmlns="http://schemas.microsoft.com/sharepoint/v3/contenttype/forms">
+  <Display>DocumentLibraryForm</Display>
+  <Edit>DocumentLibraryForm</Edit>
+  <New>DocumentLibraryForm</New>
+</FormTemplates>
+</file>
+
+<file path=customXml/item3.xml><?xml version="1.0" encoding="utf-8"?>
 <ct:contentTypeSchema xmlns:ct="http://schemas.microsoft.com/office/2006/metadata/contentType" xmlns:ma="http://schemas.microsoft.com/office/2006/metadata/properties/metaAttributes" ct:_="" ma:_="" ma:contentTypeName="Document" ma:contentTypeID="0x010100916F182140194F4A8CCC57EE77F8793D" ma:contentTypeVersion="4" ma:contentTypeDescription="Create a new document." ma:contentTypeScope="" ma:versionID="f24d8051ee861718e22b0ae7423b30c7">
   <xsd:schema xmlns:xsd="http://www.w3.org/2001/XMLSchema" xmlns:xs="http://www.w3.org/2001/XMLSchema" xmlns:p="http://schemas.microsoft.com/office/2006/metadata/properties" xmlns:ns2="f228489a-dcf5-4b36-becb-e077c37c524e" targetNamespace="http://schemas.microsoft.com/office/2006/metadata/properties" ma:root="true" ma:fieldsID="3e265d2d88944d89f3255ee9925721a9" ns2:_="">
     <xsd:import namespace="f228489a-dcf5-4b36-becb-e077c37c524e"/>
@@ -26634,22 +26653,24 @@
 </ct:contentTypeSchema>
 </file>
 
-<file path=customXml/item2.xml><?xml version="1.0" encoding="utf-8"?>
-<?mso-contentType ?>
-<FormTemplates xmlns="http://schemas.microsoft.com/sharepoint/v3/contenttype/forms">
-  <Display>DocumentLibraryForm</Display>
-  <Edit>DocumentLibraryForm</Edit>
-  <New>DocumentLibraryForm</New>
-</FormTemplates>
+<file path=customXml/itemProps1.xml><?xml version="1.0" encoding="utf-8"?>
+<ds:datastoreItem xmlns:ds="http://schemas.openxmlformats.org/officeDocument/2006/customXml" ds:itemID="{F9E3DFC7-539B-4B55-9D4E-50BDD86210B4}">
+  <ds:schemaRefs>
+    <ds:schemaRef ds:uri="http://schemas.microsoft.com/office/2006/metadata/properties"/>
+    <ds:schemaRef ds:uri="http://schemas.microsoft.com/office/infopath/2007/PartnerControls"/>
+  </ds:schemaRefs>
+</ds:datastoreItem>
 </file>
 
-<file path=customXml/item3.xml><?xml version="1.0" encoding="utf-8"?>
-<p:properties xmlns:p="http://schemas.microsoft.com/office/2006/metadata/properties" xmlns:xsi="http://www.w3.org/2001/XMLSchema-instance" xmlns:pc="http://schemas.microsoft.com/office/infopath/2007/PartnerControls">
-  <documentManagement/>
-</p:properties>
+<file path=customXml/itemProps2.xml><?xml version="1.0" encoding="utf-8"?>
+<ds:datastoreItem xmlns:ds="http://schemas.openxmlformats.org/officeDocument/2006/customXml" ds:itemID="{9774891E-6564-4958-A4CF-188F7360FC52}">
+  <ds:schemaRefs>
+    <ds:schemaRef ds:uri="http://schemas.microsoft.com/sharepoint/v3/contenttype/forms"/>
+  </ds:schemaRefs>
+</ds:datastoreItem>
 </file>
 
-<file path=customXml/itemProps1.xml><?xml version="1.0" encoding="utf-8"?>
+<file path=customXml/itemProps3.xml><?xml version="1.0" encoding="utf-8"?>
 <ds:datastoreItem xmlns:ds="http://schemas.openxmlformats.org/officeDocument/2006/customXml" ds:itemID="{25BBF9B6-64C3-4607-AD5B-D62FD888A901}">
   <ds:schemaRefs>
     <ds:schemaRef ds:uri="http://schemas.microsoft.com/office/2006/metadata/contentType"/>
@@ -26665,21 +26686,4 @@
     <ds:schemaRef ds:uri="http://schemas.microsoft.com/internal/obd"/>
   </ds:schemaRefs>
 </ds:datastoreItem>
-</file>
-
-<file path=customXml/itemProps2.xml><?xml version="1.0" encoding="utf-8"?>
-<ds:datastoreItem xmlns:ds="http://schemas.openxmlformats.org/officeDocument/2006/customXml" ds:itemID="{9774891E-6564-4958-A4CF-188F7360FC52}">
-  <ds:schemaRefs>
-    <ds:schemaRef ds:uri="http://schemas.microsoft.com/sharepoint/v3/contenttype/forms"/>
-  </ds:schemaRefs>
-</ds:datastoreItem>
-</file>
-
-<file path=customXml/itemProps3.xml><?xml version="1.0" encoding="utf-8"?>
-<ds:datastoreItem xmlns:ds="http://schemas.openxmlformats.org/officeDocument/2006/customXml" ds:itemID="{F9E3DFC7-539B-4B55-9D4E-50BDD86210B4}">
-  <ds:schemaRefs>
-    <ds:schemaRef ds:uri="http://schemas.microsoft.com/office/2006/metadata/properties"/>
-    <ds:schemaRef ds:uri="http://schemas.microsoft.com/office/infopath/2007/PartnerControls"/>
-  </ds:schemaRefs>
-</ds:datastoreItem>
 </file>